--- a/static_files/cse442_slides/Lecture-05_lecture.pptx
+++ b/static_files/cse442_slides/Lecture-05_lecture.pptx
@@ -5,10 +5,10 @@
     <p:sldMasterId id="2147484328" r:id="rId1"/>
   </p:sldMasterIdLst>
   <p:notesMasterIdLst>
-    <p:notesMasterId r:id="rId39"/>
+    <p:notesMasterId r:id="rId40"/>
   </p:notesMasterIdLst>
   <p:handoutMasterIdLst>
-    <p:handoutMasterId r:id="rId40"/>
+    <p:handoutMasterId r:id="rId41"/>
   </p:handoutMasterIdLst>
   <p:sldIdLst>
     <p:sldId id="273" r:id="rId2"/>
@@ -18,41 +18,42 @@
     <p:sldId id="412" r:id="rId6"/>
     <p:sldId id="415" r:id="rId7"/>
     <p:sldId id="416" r:id="rId8"/>
-    <p:sldId id="485" r:id="rId9"/>
-    <p:sldId id="418" r:id="rId10"/>
-    <p:sldId id="419" r:id="rId11"/>
-    <p:sldId id="440" r:id="rId12"/>
-    <p:sldId id="441" r:id="rId13"/>
-    <p:sldId id="500" r:id="rId14"/>
-    <p:sldId id="501" r:id="rId15"/>
-    <p:sldId id="503" r:id="rId16"/>
-    <p:sldId id="395" r:id="rId17"/>
-    <p:sldId id="502" r:id="rId18"/>
-    <p:sldId id="499" r:id="rId19"/>
-    <p:sldId id="404" r:id="rId20"/>
-    <p:sldId id="569" r:id="rId21"/>
-    <p:sldId id="398" r:id="rId22"/>
-    <p:sldId id="382" r:id="rId23"/>
-    <p:sldId id="571" r:id="rId24"/>
-    <p:sldId id="574" r:id="rId25"/>
-    <p:sldId id="576" r:id="rId26"/>
-    <p:sldId id="584" r:id="rId27"/>
-    <p:sldId id="586" r:id="rId28"/>
-    <p:sldId id="588" r:id="rId29"/>
-    <p:sldId id="590" r:id="rId30"/>
-    <p:sldId id="591" r:id="rId31"/>
-    <p:sldId id="592" r:id="rId32"/>
-    <p:sldId id="603" r:id="rId33"/>
-    <p:sldId id="605" r:id="rId34"/>
-    <p:sldId id="606" r:id="rId35"/>
-    <p:sldId id="607" r:id="rId36"/>
-    <p:sldId id="613" r:id="rId37"/>
-    <p:sldId id="614" r:id="rId38"/>
+    <p:sldId id="615" r:id="rId9"/>
+    <p:sldId id="616" r:id="rId10"/>
+    <p:sldId id="485" r:id="rId11"/>
+    <p:sldId id="418" r:id="rId12"/>
+    <p:sldId id="440" r:id="rId13"/>
+    <p:sldId id="441" r:id="rId14"/>
+    <p:sldId id="500" r:id="rId15"/>
+    <p:sldId id="501" r:id="rId16"/>
+    <p:sldId id="503" r:id="rId17"/>
+    <p:sldId id="395" r:id="rId18"/>
+    <p:sldId id="502" r:id="rId19"/>
+    <p:sldId id="499" r:id="rId20"/>
+    <p:sldId id="404" r:id="rId21"/>
+    <p:sldId id="569" r:id="rId22"/>
+    <p:sldId id="398" r:id="rId23"/>
+    <p:sldId id="382" r:id="rId24"/>
+    <p:sldId id="571" r:id="rId25"/>
+    <p:sldId id="574" r:id="rId26"/>
+    <p:sldId id="576" r:id="rId27"/>
+    <p:sldId id="584" r:id="rId28"/>
+    <p:sldId id="586" r:id="rId29"/>
+    <p:sldId id="588" r:id="rId30"/>
+    <p:sldId id="590" r:id="rId31"/>
+    <p:sldId id="591" r:id="rId32"/>
+    <p:sldId id="592" r:id="rId33"/>
+    <p:sldId id="603" r:id="rId34"/>
+    <p:sldId id="605" r:id="rId35"/>
+    <p:sldId id="606" r:id="rId36"/>
+    <p:sldId id="607" r:id="rId37"/>
+    <p:sldId id="613" r:id="rId38"/>
+    <p:sldId id="614" r:id="rId39"/>
   </p:sldIdLst>
   <p:sldSz cx="9144000" cy="6858000" type="screen4x3"/>
   <p:notesSz cx="7315200" cy="9601200"/>
   <p:custDataLst>
-    <p:tags r:id="rId42"/>
+    <p:tags r:id="rId43"/>
   </p:custDataLst>
   <p:defaultTextStyle>
     <a:defPPr>
@@ -1210,69 +1211,6 @@
       </p:grpSpPr>
       <p:sp>
         <p:nvSpPr>
-          <p:cNvPr id="231426" name="Rectangle 2"/>
-          <p:cNvSpPr>
-            <a:spLocks noGrp="1" noRot="1" noChangeAspect="1" noChangeArrowheads="1" noTextEdit="1"/>
-          </p:cNvSpPr>
-          <p:nvPr>
-            <p:ph type="sldImg"/>
-          </p:nvPr>
-        </p:nvSpPr>
-        <p:spPr>
-          <a:ln/>
-        </p:spPr>
-      </p:sp>
-      <p:sp>
-        <p:nvSpPr>
-          <p:cNvPr id="231427" name="Rectangle 3"/>
-          <p:cNvSpPr txBox="1">
-            <a:spLocks noGrp="1" noChangeArrowheads="1"/>
-          </p:cNvSpPr>
-          <p:nvPr>
-            <p:ph type="body" idx="1"/>
-          </p:nvPr>
-        </p:nvSpPr>
-        <p:spPr/>
-        <p:txBody>
-          <a:bodyPr/>
-          <a:lstStyle/>
-          <a:p>
-            <a:endParaRPr lang="en-US"/>
-          </a:p>
-        </p:txBody>
-      </p:sp>
-    </p:spTree>
-    <p:extLst>
-      <p:ext uri="{BB962C8B-B14F-4D97-AF65-F5344CB8AC3E}">
-        <p14:creationId xmlns:p14="http://schemas.microsoft.com/office/powerpoint/2010/main" val="1826150209"/>
-      </p:ext>
-    </p:extLst>
-  </p:cSld>
-  <p:clrMapOvr>
-    <a:masterClrMapping/>
-  </p:clrMapOvr>
-</p:notes>
-</file>
-
-<file path=ppt/notesSlides/notesSlide11.xml><?xml version="1.0" encoding="utf-8"?>
-<p:notes xmlns:a="http://schemas.openxmlformats.org/drawingml/2006/main" xmlns:r="http://schemas.openxmlformats.org/officeDocument/2006/relationships" xmlns:p="http://schemas.openxmlformats.org/presentationml/2006/main">
-  <p:cSld>
-    <p:spTree>
-      <p:nvGrpSpPr>
-        <p:cNvPr id="1" name=""/>
-        <p:cNvGrpSpPr/>
-        <p:nvPr/>
-      </p:nvGrpSpPr>
-      <p:grpSpPr>
-        <a:xfrm>
-          <a:off x="0" y="0"/>
-          <a:ext cx="0" cy="0"/>
-          <a:chOff x="0" y="0"/>
-          <a:chExt cx="0" cy="0"/>
-        </a:xfrm>
-      </p:grpSpPr>
-      <p:sp>
-        <p:nvSpPr>
           <p:cNvPr id="2" name="Slide Image Placeholder 1"/>
           <p:cNvSpPr>
             <a:spLocks noGrp="1" noRot="1" noChangeAspect="1"/>
@@ -1315,7 +1253,7 @@
 </p:notes>
 </file>
 
-<file path=ppt/notesSlides/notesSlide12.xml><?xml version="1.0" encoding="utf-8"?>
+<file path=ppt/notesSlides/notesSlide11.xml><?xml version="1.0" encoding="utf-8"?>
 <p:notes xmlns:a="http://schemas.openxmlformats.org/drawingml/2006/main" xmlns:r="http://schemas.openxmlformats.org/officeDocument/2006/relationships" xmlns:p="http://schemas.openxmlformats.org/presentationml/2006/main">
   <p:cSld>
     <p:spTree>
@@ -1371,6 +1309,100 @@
         <p14:creationId xmlns:p14="http://schemas.microsoft.com/office/powerpoint/2010/main" val="257543323"/>
       </p:ext>
     </p:extLst>
+  </p:cSld>
+  <p:clrMapOvr>
+    <a:masterClrMapping/>
+  </p:clrMapOvr>
+</p:notes>
+</file>
+
+<file path=ppt/notesSlides/notesSlide12.xml><?xml version="1.0" encoding="utf-8"?>
+<p:notes xmlns:a="http://schemas.openxmlformats.org/drawingml/2006/main" xmlns:r="http://schemas.openxmlformats.org/officeDocument/2006/relationships" xmlns:p="http://schemas.openxmlformats.org/presentationml/2006/main">
+  <p:cSld>
+    <p:spTree>
+      <p:nvGrpSpPr>
+        <p:cNvPr id="1" name=""/>
+        <p:cNvGrpSpPr/>
+        <p:nvPr/>
+      </p:nvGrpSpPr>
+      <p:grpSpPr>
+        <a:xfrm>
+          <a:off x="0" y="0"/>
+          <a:ext cx="0" cy="0"/>
+          <a:chOff x="0" y="0"/>
+          <a:chExt cx="0" cy="0"/>
+        </a:xfrm>
+      </p:grpSpPr>
+      <p:sp>
+        <p:nvSpPr>
+          <p:cNvPr id="2" name="Slide Image Placeholder 1"/>
+          <p:cNvSpPr>
+            <a:spLocks noGrp="1" noRot="1" noChangeAspect="1"/>
+          </p:cNvSpPr>
+          <p:nvPr>
+            <p:ph type="sldImg"/>
+          </p:nvPr>
+        </p:nvSpPr>
+        <p:spPr/>
+      </p:sp>
+      <p:sp>
+        <p:nvSpPr>
+          <p:cNvPr id="3" name="Notes Placeholder 2"/>
+          <p:cNvSpPr>
+            <a:spLocks noGrp="1"/>
+          </p:cNvSpPr>
+          <p:nvPr>
+            <p:ph type="body" idx="1"/>
+          </p:nvPr>
+        </p:nvSpPr>
+        <p:spPr/>
+        <p:txBody>
+          <a:bodyPr>
+            <a:normAutofit/>
+          </a:bodyPr>
+          <a:lstStyle/>
+          <a:p>
+            <a:r>
+              <a:rPr lang="en-US" dirty="0"/>
+              <a:t>Picture is</a:t>
+            </a:r>
+            <a:r>
+              <a:rPr lang="en-US" baseline="0" dirty="0"/>
+              <a:t> of </a:t>
+            </a:r>
+            <a:r>
+              <a:rPr lang="en-US" baseline="0" dirty="0" err="1"/>
+              <a:t>Edsgar</a:t>
+            </a:r>
+            <a:r>
+              <a:rPr lang="en-US" baseline="0" dirty="0"/>
+              <a:t> </a:t>
+            </a:r>
+            <a:r>
+              <a:rPr lang="en-US" baseline="0" dirty="0" err="1"/>
+              <a:t>Dijkstra</a:t>
+            </a:r>
+            <a:r>
+              <a:rPr lang="en-US" baseline="0" dirty="0"/>
+              <a:t> of </a:t>
+            </a:r>
+            <a:r>
+              <a:rPr lang="en-US" baseline="0" dirty="0" err="1"/>
+              <a:t>Dijkstra’s</a:t>
+            </a:r>
+            <a:r>
+              <a:rPr lang="en-US" baseline="0"/>
+              <a:t> algorithm </a:t>
+            </a:r>
+            <a:r>
+              <a:rPr lang="en-US" baseline="0" dirty="0"/>
+              <a:t>(and just about everything else not done by Knuth) fame.</a:t>
+            </a:r>
+            <a:endParaRPr lang="en-US" dirty="0"/>
+          </a:p>
+        </p:txBody>
+      </p:sp>
+    </p:spTree>
   </p:cSld>
   <p:clrMapOvr>
     <a:masterClrMapping/>
@@ -1419,52 +1451,19 @@
         </p:nvSpPr>
         <p:spPr/>
         <p:txBody>
-          <a:bodyPr>
-            <a:normAutofit/>
-          </a:bodyPr>
+          <a:bodyPr/>
           <a:lstStyle/>
           <a:p>
-            <a:r>
-              <a:rPr lang="en-US" dirty="0"/>
-              <a:t>Picture is</a:t>
-            </a:r>
-            <a:r>
-              <a:rPr lang="en-US" baseline="0" dirty="0"/>
-              <a:t> of </a:t>
-            </a:r>
-            <a:r>
-              <a:rPr lang="en-US" baseline="0" dirty="0" err="1"/>
-              <a:t>Edsgar</a:t>
-            </a:r>
-            <a:r>
-              <a:rPr lang="en-US" baseline="0" dirty="0"/>
-              <a:t> </a:t>
-            </a:r>
-            <a:r>
-              <a:rPr lang="en-US" baseline="0" dirty="0" err="1"/>
-              <a:t>Dijkstra</a:t>
-            </a:r>
-            <a:r>
-              <a:rPr lang="en-US" baseline="0" dirty="0"/>
-              <a:t> of </a:t>
-            </a:r>
-            <a:r>
-              <a:rPr lang="en-US" baseline="0" dirty="0" err="1"/>
-              <a:t>Dijkstra’s</a:t>
-            </a:r>
-            <a:r>
-              <a:rPr lang="en-US" baseline="0"/>
-              <a:t> algorithm </a:t>
-            </a:r>
-            <a:r>
-              <a:rPr lang="en-US" baseline="0" dirty="0"/>
-              <a:t>(and just about everything else not done by Knuth) fame.</a:t>
-            </a:r>
             <a:endParaRPr lang="en-US" dirty="0"/>
           </a:p>
         </p:txBody>
       </p:sp>
     </p:spTree>
+    <p:extLst>
+      <p:ext uri="{BB962C8B-B14F-4D97-AF65-F5344CB8AC3E}">
+        <p14:creationId xmlns:p14="http://schemas.microsoft.com/office/powerpoint/2010/main" val="1300750958"/>
+      </p:ext>
+    </p:extLst>
   </p:cSld>
   <p:clrMapOvr>
     <a:masterClrMapping/>
@@ -1491,21 +1490,56 @@
       </p:grpSpPr>
       <p:sp>
         <p:nvSpPr>
-          <p:cNvPr id="2" name="Slide Image Placeholder 1"/>
+          <p:cNvPr id="7" name="Rectangle 7"/>
           <p:cNvSpPr>
-            <a:spLocks noGrp="1" noRot="1" noChangeAspect="1"/>
+            <a:spLocks noGrp="1" noChangeArrowheads="1"/>
+          </p:cNvSpPr>
+          <p:nvPr>
+            <p:ph type="sldNum" sz="quarter" idx="5"/>
+          </p:nvPr>
+        </p:nvSpPr>
+        <p:spPr>
+          <a:xfrm>
+            <a:off x="4143587" y="9119474"/>
+            <a:ext cx="3169920" cy="480060"/>
+          </a:xfrm>
+          <a:prstGeom prst="rect">
+            <a:avLst/>
+          </a:prstGeom>
+          <a:ln/>
+        </p:spPr>
+        <p:txBody>
+          <a:bodyPr lIns="96661" tIns="48331" rIns="96661" bIns="48331"/>
+          <a:lstStyle/>
+          <a:p>
+            <a:fld id="{89ACD361-BC6B-41FE-A38E-A38842ACF035}" type="slidenum">
+              <a:rPr lang="en-US"/>
+              <a:pPr/>
+              <a:t>22</a:t>
+            </a:fld>
+            <a:endParaRPr lang="en-US"/>
+          </a:p>
+        </p:txBody>
+      </p:sp>
+      <p:sp>
+        <p:nvSpPr>
+          <p:cNvPr id="190466" name="Rectangle 2"/>
+          <p:cNvSpPr>
+            <a:spLocks noGrp="1" noRot="1" noChangeAspect="1" noChangeArrowheads="1" noTextEdit="1"/>
           </p:cNvSpPr>
           <p:nvPr>
             <p:ph type="sldImg"/>
           </p:nvPr>
         </p:nvSpPr>
-        <p:spPr/>
+        <p:spPr>
+          <a:ln/>
+        </p:spPr>
       </p:sp>
       <p:sp>
         <p:nvSpPr>
-          <p:cNvPr id="3" name="Notes Placeholder 2"/>
+          <p:cNvPr id="190467" name="Rectangle 3"/>
           <p:cNvSpPr>
-            <a:spLocks noGrp="1"/>
+            <a:spLocks noGrp="1" noChangeArrowheads="1"/>
           </p:cNvSpPr>
           <p:nvPr>
             <p:ph type="body" idx="1"/>
@@ -1516,16 +1550,11 @@
           <a:bodyPr/>
           <a:lstStyle/>
           <a:p>
-            <a:endParaRPr lang="en-US" dirty="0"/>
+            <a:endParaRPr lang="en-US"/>
           </a:p>
         </p:txBody>
       </p:sp>
     </p:spTree>
-    <p:extLst>
-      <p:ext uri="{BB962C8B-B14F-4D97-AF65-F5344CB8AC3E}">
-        <p14:creationId xmlns:p14="http://schemas.microsoft.com/office/powerpoint/2010/main" val="1300750958"/>
-      </p:ext>
-    </p:extLst>
   </p:cSld>
   <p:clrMapOvr>
     <a:masterClrMapping/>
@@ -1574,10 +1603,10 @@
           <a:bodyPr lIns="96661" tIns="48331" rIns="96661" bIns="48331"/>
           <a:lstStyle/>
           <a:p>
-            <a:fld id="{89ACD361-BC6B-41FE-A38E-A38842ACF035}" type="slidenum">
+            <a:fld id="{9F367229-F454-4E75-877E-CAC0F4734464}" type="slidenum">
               <a:rPr lang="en-US"/>
               <a:pPr/>
-              <a:t>21</a:t>
+              <a:t>23</a:t>
             </a:fld>
             <a:endParaRPr lang="en-US"/>
           </a:p>
@@ -1585,7 +1614,7 @@
       </p:sp>
       <p:sp>
         <p:nvSpPr>
-          <p:cNvPr id="190466" name="Rectangle 2"/>
+          <p:cNvPr id="192514" name="Rectangle 2"/>
           <p:cNvSpPr>
             <a:spLocks noGrp="1" noRot="1" noChangeAspect="1" noChangeArrowheads="1" noTextEdit="1"/>
           </p:cNvSpPr>
@@ -1599,7 +1628,7 @@
       </p:sp>
       <p:sp>
         <p:nvSpPr>
-          <p:cNvPr id="190467" name="Rectangle 3"/>
+          <p:cNvPr id="192515" name="Rectangle 3"/>
           <p:cNvSpPr>
             <a:spLocks noGrp="1" noChangeArrowheads="1"/>
           </p:cNvSpPr>
@@ -1612,7 +1641,21 @@
           <a:bodyPr/>
           <a:lstStyle/>
           <a:p>
-            <a:endParaRPr lang="en-US"/>
+            <a:r>
+              <a:rPr lang="en-US" dirty="0"/>
+              <a:t>Point out that all paths</a:t>
+            </a:r>
+            <a:r>
+              <a:rPr lang="en-US" baseline="0" dirty="0"/>
+              <a:t> is just not really possible…</a:t>
+            </a:r>
+          </a:p>
+          <a:p>
+            <a:r>
+              <a:rPr lang="en-US" baseline="0" dirty="0"/>
+              <a:t>State that we can check for all statements testing (e.g., the minimum acceptable level) in Eclipse directly!</a:t>
+            </a:r>
+            <a:endParaRPr lang="en-US" dirty="0"/>
           </a:p>
         </p:txBody>
       </p:sp>
@@ -1665,10 +1708,10 @@
           <a:bodyPr lIns="96661" tIns="48331" rIns="96661" bIns="48331"/>
           <a:lstStyle/>
           <a:p>
-            <a:fld id="{9F367229-F454-4E75-877E-CAC0F4734464}" type="slidenum">
+            <a:fld id="{43F2F814-4DE1-4D2E-8F43-3FD11ADFF797}" type="slidenum">
               <a:rPr lang="en-US"/>
               <a:pPr/>
-              <a:t>22</a:t>
+              <a:t>25</a:t>
             </a:fld>
             <a:endParaRPr lang="en-US"/>
           </a:p>
@@ -1676,7 +1719,7 @@
       </p:sp>
       <p:sp>
         <p:nvSpPr>
-          <p:cNvPr id="192514" name="Rectangle 2"/>
+          <p:cNvPr id="215042" name="Rectangle 2"/>
           <p:cNvSpPr>
             <a:spLocks noGrp="1" noRot="1" noChangeAspect="1" noChangeArrowheads="1" noTextEdit="1"/>
           </p:cNvSpPr>
@@ -1685,12 +1728,16 @@
           </p:nvPr>
         </p:nvSpPr>
         <p:spPr>
+          <a:xfrm>
+            <a:off x="1549400" y="823913"/>
+            <a:ext cx="4230688" cy="3173412"/>
+          </a:xfrm>
           <a:ln/>
         </p:spPr>
       </p:sp>
       <p:sp>
         <p:nvSpPr>
-          <p:cNvPr id="192515" name="Rectangle 3"/>
+          <p:cNvPr id="215043" name="Rectangle 3"/>
           <p:cNvSpPr>
             <a:spLocks noGrp="1" noChangeArrowheads="1"/>
           </p:cNvSpPr>
@@ -1698,26 +1745,14 @@
             <p:ph type="body" idx="1"/>
           </p:nvPr>
         </p:nvSpPr>
-        <p:spPr/>
+        <p:spPr>
+          <a:ln/>
+        </p:spPr>
         <p:txBody>
           <a:bodyPr/>
           <a:lstStyle/>
           <a:p>
-            <a:r>
-              <a:rPr lang="en-US" dirty="0"/>
-              <a:t>Point out that all paths</a:t>
-            </a:r>
-            <a:r>
-              <a:rPr lang="en-US" baseline="0" dirty="0"/>
-              <a:t> is just not really possible…</a:t>
-            </a:r>
-          </a:p>
-          <a:p>
-            <a:r>
-              <a:rPr lang="en-US" baseline="0" dirty="0"/>
-              <a:t>State that we can check for all statements testing (e.g., the minimum acceptable level) in Eclipse directly!</a:t>
-            </a:r>
-            <a:endParaRPr lang="en-US" dirty="0"/>
+            <a:endParaRPr lang="en-US"/>
           </a:p>
         </p:txBody>
       </p:sp>
@@ -1770,107 +1805,10 @@
           <a:bodyPr lIns="96661" tIns="48331" rIns="96661" bIns="48331"/>
           <a:lstStyle/>
           <a:p>
-            <a:fld id="{43F2F814-4DE1-4D2E-8F43-3FD11ADFF797}" type="slidenum">
-              <a:rPr lang="en-US"/>
-              <a:pPr/>
-              <a:t>24</a:t>
-            </a:fld>
-            <a:endParaRPr lang="en-US"/>
-          </a:p>
-        </p:txBody>
-      </p:sp>
-      <p:sp>
-        <p:nvSpPr>
-          <p:cNvPr id="215042" name="Rectangle 2"/>
-          <p:cNvSpPr>
-            <a:spLocks noGrp="1" noRot="1" noChangeAspect="1" noChangeArrowheads="1" noTextEdit="1"/>
-          </p:cNvSpPr>
-          <p:nvPr>
-            <p:ph type="sldImg"/>
-          </p:nvPr>
-        </p:nvSpPr>
-        <p:spPr>
-          <a:xfrm>
-            <a:off x="1549400" y="823913"/>
-            <a:ext cx="4230688" cy="3173412"/>
-          </a:xfrm>
-          <a:ln/>
-        </p:spPr>
-      </p:sp>
-      <p:sp>
-        <p:nvSpPr>
-          <p:cNvPr id="215043" name="Rectangle 3"/>
-          <p:cNvSpPr>
-            <a:spLocks noGrp="1" noChangeArrowheads="1"/>
-          </p:cNvSpPr>
-          <p:nvPr>
-            <p:ph type="body" idx="1"/>
-          </p:nvPr>
-        </p:nvSpPr>
-        <p:spPr>
-          <a:ln/>
-        </p:spPr>
-        <p:txBody>
-          <a:bodyPr/>
-          <a:lstStyle/>
-          <a:p>
-            <a:endParaRPr lang="en-US"/>
-          </a:p>
-        </p:txBody>
-      </p:sp>
-    </p:spTree>
-  </p:cSld>
-  <p:clrMapOvr>
-    <a:masterClrMapping/>
-  </p:clrMapOvr>
-</p:notes>
-</file>
-
-<file path=ppt/notesSlides/notesSlide18.xml><?xml version="1.0" encoding="utf-8"?>
-<p:notes xmlns:a="http://schemas.openxmlformats.org/drawingml/2006/main" xmlns:r="http://schemas.openxmlformats.org/officeDocument/2006/relationships" xmlns:p="http://schemas.openxmlformats.org/presentationml/2006/main">
-  <p:cSld>
-    <p:spTree>
-      <p:nvGrpSpPr>
-        <p:cNvPr id="1" name=""/>
-        <p:cNvGrpSpPr/>
-        <p:nvPr/>
-      </p:nvGrpSpPr>
-      <p:grpSpPr>
-        <a:xfrm>
-          <a:off x="0" y="0"/>
-          <a:ext cx="0" cy="0"/>
-          <a:chOff x="0" y="0"/>
-          <a:chExt cx="0" cy="0"/>
-        </a:xfrm>
-      </p:grpSpPr>
-      <p:sp>
-        <p:nvSpPr>
-          <p:cNvPr id="7" name="Rectangle 7"/>
-          <p:cNvSpPr>
-            <a:spLocks noGrp="1" noChangeArrowheads="1"/>
-          </p:cNvSpPr>
-          <p:nvPr>
-            <p:ph type="sldNum" sz="quarter" idx="5"/>
-          </p:nvPr>
-        </p:nvSpPr>
-        <p:spPr>
-          <a:xfrm>
-            <a:off x="4143587" y="9119474"/>
-            <a:ext cx="3169920" cy="480060"/>
-          </a:xfrm>
-          <a:prstGeom prst="rect">
-            <a:avLst/>
-          </a:prstGeom>
-          <a:ln/>
-        </p:spPr>
-        <p:txBody>
-          <a:bodyPr lIns="96661" tIns="48331" rIns="96661" bIns="48331"/>
-          <a:lstStyle/>
-          <a:p>
             <a:fld id="{C16EEF32-861E-4021-A41A-0D49923DDA2D}" type="slidenum">
               <a:rPr lang="en-US"/>
               <a:pPr/>
-              <a:t>25</a:t>
+              <a:t>26</a:t>
             </a:fld>
             <a:endParaRPr lang="en-US"/>
           </a:p>
@@ -2124,7 +2062,7 @@
       </p:grpSpPr>
       <p:sp>
         <p:nvSpPr>
-          <p:cNvPr id="225282" name="Rectangle 2"/>
+          <p:cNvPr id="231426" name="Rectangle 2"/>
           <p:cNvSpPr>
             <a:spLocks noGrp="1" noRot="1" noChangeAspect="1" noChangeArrowheads="1" noTextEdit="1"/>
           </p:cNvSpPr>
@@ -2138,7 +2076,7 @@
       </p:sp>
       <p:sp>
         <p:nvSpPr>
-          <p:cNvPr id="225283" name="Rectangle 3"/>
+          <p:cNvPr id="231427" name="Rectangle 3"/>
           <p:cNvSpPr txBox="1">
             <a:spLocks noGrp="1" noChangeArrowheads="1"/>
           </p:cNvSpPr>
@@ -2158,7 +2096,7 @@
     </p:spTree>
     <p:extLst>
       <p:ext uri="{BB962C8B-B14F-4D97-AF65-F5344CB8AC3E}">
-        <p14:creationId xmlns:p14="http://schemas.microsoft.com/office/powerpoint/2010/main" val="4109434834"/>
+        <p14:creationId xmlns:p14="http://schemas.microsoft.com/office/powerpoint/2010/main" val="1849460894"/>
       </p:ext>
     </p:extLst>
   </p:cSld>
@@ -2221,7 +2159,7 @@
     </p:spTree>
     <p:extLst>
       <p:ext uri="{BB962C8B-B14F-4D97-AF65-F5344CB8AC3E}">
-        <p14:creationId xmlns:p14="http://schemas.microsoft.com/office/powerpoint/2010/main" val="1849460894"/>
+        <p14:creationId xmlns:p14="http://schemas.microsoft.com/office/powerpoint/2010/main" val="968232127"/>
       </p:ext>
     </p:extLst>
   </p:cSld>
@@ -2284,7 +2222,7 @@
     </p:spTree>
     <p:extLst>
       <p:ext uri="{BB962C8B-B14F-4D97-AF65-F5344CB8AC3E}">
-        <p14:creationId xmlns:p14="http://schemas.microsoft.com/office/powerpoint/2010/main" val="968232127"/>
+        <p14:creationId xmlns:p14="http://schemas.microsoft.com/office/powerpoint/2010/main" val="264916950"/>
       </p:ext>
     </p:extLst>
   </p:cSld>
@@ -2347,7 +2285,7 @@
     </p:spTree>
     <p:extLst>
       <p:ext uri="{BB962C8B-B14F-4D97-AF65-F5344CB8AC3E}">
-        <p14:creationId xmlns:p14="http://schemas.microsoft.com/office/powerpoint/2010/main" val="264916950"/>
+        <p14:creationId xmlns:p14="http://schemas.microsoft.com/office/powerpoint/2010/main" val="1885631562"/>
       </p:ext>
     </p:extLst>
   </p:cSld>
@@ -2410,7 +2348,7 @@
     </p:spTree>
     <p:extLst>
       <p:ext uri="{BB962C8B-B14F-4D97-AF65-F5344CB8AC3E}">
-        <p14:creationId xmlns:p14="http://schemas.microsoft.com/office/powerpoint/2010/main" val="1885631562"/>
+        <p14:creationId xmlns:p14="http://schemas.microsoft.com/office/powerpoint/2010/main" val="3273659801"/>
       </p:ext>
     </p:extLst>
   </p:cSld>
@@ -2473,7 +2411,7 @@
     </p:spTree>
     <p:extLst>
       <p:ext uri="{BB962C8B-B14F-4D97-AF65-F5344CB8AC3E}">
-        <p14:creationId xmlns:p14="http://schemas.microsoft.com/office/powerpoint/2010/main" val="3273659801"/>
+        <p14:creationId xmlns:p14="http://schemas.microsoft.com/office/powerpoint/2010/main" val="1826150209"/>
       </p:ext>
     </p:extLst>
   </p:cSld>
@@ -5271,6 +5209,13 @@
   <p:clrMapOvr>
     <a:masterClrMapping/>
   </p:clrMapOvr>
+  <p:timing>
+    <p:tnLst>
+      <p:par>
+        <p:cTn xmlns:p14="http://schemas.microsoft.com/office/powerpoint/2010/main" id="1" dur="indefinite" restart="never" nodeType="tmRoot"/>
+      </p:par>
+    </p:tnLst>
+  </p:timing>
 </p:sld>
 </file>
 
@@ -5293,7 +5238,242 @@
       </p:grpSpPr>
       <p:sp>
         <p:nvSpPr>
-          <p:cNvPr id="224259" name="Rectangle 3"/>
+          <p:cNvPr id="2" name="Title 1"/>
+          <p:cNvSpPr>
+            <a:spLocks noGrp="1"/>
+          </p:cNvSpPr>
+          <p:nvPr>
+            <p:ph type="title"/>
+          </p:nvPr>
+        </p:nvSpPr>
+        <p:spPr/>
+        <p:txBody>
+          <a:bodyPr/>
+          <a:lstStyle/>
+          <a:p>
+            <a:r>
+              <a:rPr lang="en-US" dirty="0"/>
+              <a:t>TDD Key Concept</a:t>
+            </a:r>
+          </a:p>
+        </p:txBody>
+      </p:sp>
+      <p:sp>
+        <p:nvSpPr>
+          <p:cNvPr id="3" name="Content Placeholder 2"/>
+          <p:cNvSpPr>
+            <a:spLocks noGrp="1"/>
+          </p:cNvSpPr>
+          <p:nvPr>
+            <p:ph idx="1"/>
+          </p:nvPr>
+        </p:nvSpPr>
+        <p:spPr>
+          <a:xfrm>
+            <a:off x="457200" y="1784350"/>
+            <a:ext cx="8610600" cy="4572000"/>
+          </a:xfrm>
+        </p:spPr>
+        <p:txBody>
+          <a:bodyPr/>
+          <a:lstStyle/>
+          <a:p>
+            <a:pPr marL="0" marR="0" lvl="0" indent="0" algn="ctr" defTabSz="914400" eaLnBrk="1" fontAlgn="auto" latinLnBrk="0" hangingPunct="1">
+              <a:lnSpc>
+                <a:spcPct val="100000"/>
+              </a:lnSpc>
+              <a:spcBef>
+                <a:spcPts val="0"/>
+              </a:spcBef>
+              <a:spcAft>
+                <a:spcPts val="0"/>
+              </a:spcAft>
+              <a:buClrTx/>
+              <a:buSzTx/>
+              <a:buFontTx/>
+              <a:buNone/>
+              <a:tabLst/>
+              <a:defRPr/>
+            </a:pPr>
+            <a:r>
+              <a:rPr lang="en-US" sz="7200" b="1" dirty="0">
+                <a:solidFill>
+                  <a:srgbClr val="FF0000"/>
+                </a:solidFill>
+              </a:rPr>
+              <a:t>Check</a:t>
+            </a:r>
+            <a:r>
+              <a:rPr lang="en-US" dirty="0">
+                <a:solidFill>
+                  <a:srgbClr val="FF0000"/>
+                </a:solidFill>
+              </a:rPr>
+              <a:t> </a:t>
+            </a:r>
+            <a:r>
+              <a:rPr lang="en-US" sz="7200" b="1" dirty="0">
+                <a:solidFill>
+                  <a:srgbClr val="FF0000"/>
+                </a:solidFill>
+                <a:effectLst>
+                  <a:outerShdw blurRad="50800" dist="76200" dir="2700000" algn="tl" rotWithShape="0">
+                    <a:prstClr val="black">
+                      <a:alpha val="40000"/>
+                    </a:prstClr>
+                  </a:outerShdw>
+                </a:effectLst>
+              </a:rPr>
+              <a:t/>
+            </a:r>
+            <a:br>
+              <a:rPr lang="en-US" sz="7200" b="1" dirty="0">
+                <a:solidFill>
+                  <a:srgbClr val="FF0000"/>
+                </a:solidFill>
+                <a:effectLst>
+                  <a:outerShdw blurRad="50800" dist="76200" dir="2700000" algn="tl" rotWithShape="0">
+                    <a:prstClr val="black">
+                      <a:alpha val="40000"/>
+                    </a:prstClr>
+                  </a:outerShdw>
+                </a:effectLst>
+              </a:rPr>
+            </a:br>
+            <a:r>
+              <a:rPr lang="en-US" sz="7200" b="1" dirty="0">
+                <a:solidFill>
+                  <a:srgbClr val="FF0000"/>
+                </a:solidFill>
+                <a:effectLst>
+                  <a:outerShdw blurRad="50800" dist="38100" dir="2700000" algn="tl" rotWithShape="0">
+                    <a:prstClr val="black">
+                      <a:alpha val="40000"/>
+                    </a:prstClr>
+                  </a:outerShdw>
+                </a:effectLst>
+              </a:rPr>
+              <a:t>method’s </a:t>
+            </a:r>
+            <a:r>
+              <a:rPr lang="en-US" sz="7200" b="1" dirty="0">
+                <a:solidFill>
+                  <a:srgbClr val="FFFF00"/>
+                </a:solidFill>
+                <a:effectLst>
+                  <a:glow rad="63500">
+                    <a:schemeClr val="accent1">
+                      <a:satMod val="175000"/>
+                      <a:alpha val="40000"/>
+                    </a:schemeClr>
+                  </a:glow>
+                  <a:outerShdw blurRad="50800" dist="38100" dir="2700000" algn="tl" rotWithShape="0">
+                    <a:prstClr val="black">
+                      <a:alpha val="40000"/>
+                    </a:prstClr>
+                  </a:outerShdw>
+                </a:effectLst>
+              </a:rPr>
+              <a:t>results</a:t>
+            </a:r>
+            <a:r>
+              <a:rPr lang="en-US" sz="7200" b="1" dirty="0">
+                <a:solidFill>
+                  <a:schemeClr val="accent1"/>
+                </a:solidFill>
+                <a:effectLst>
+                  <a:outerShdw blurRad="50800" dist="76200" dir="2700000" algn="tl" rotWithShape="0">
+                    <a:prstClr val="black">
+                      <a:alpha val="40000"/>
+                    </a:prstClr>
+                  </a:outerShdw>
+                </a:effectLst>
+              </a:rPr>
+              <a:t/>
+            </a:r>
+            <a:br>
+              <a:rPr lang="en-US" sz="7200" b="1" dirty="0">
+                <a:solidFill>
+                  <a:schemeClr val="accent1"/>
+                </a:solidFill>
+                <a:effectLst>
+                  <a:outerShdw blurRad="50800" dist="76200" dir="2700000" algn="tl" rotWithShape="0">
+                    <a:prstClr val="black">
+                      <a:alpha val="40000"/>
+                    </a:prstClr>
+                  </a:outerShdw>
+                </a:effectLst>
+              </a:rPr>
+            </a:br>
+            <a:r>
+              <a:rPr lang="en-US" sz="7200" strike="sngStrike" dirty="0">
+                <a:solidFill>
+                  <a:schemeClr val="tx1">
+                    <a:lumMod val="50000"/>
+                    <a:lumOff val="50000"/>
+                  </a:schemeClr>
+                </a:solidFill>
+              </a:rPr>
+              <a:t>NOT</a:t>
+            </a:r>
+            <a:r>
+              <a:rPr lang="en-US" sz="7200" strike="sngStrike" dirty="0"/>
+              <a:t/>
+            </a:r>
+            <a:br>
+              <a:rPr lang="en-US" sz="7200" strike="sngStrike" dirty="0"/>
+            </a:br>
+            <a:r>
+              <a:rPr lang="en-US" sz="7200" strike="sngStrike" dirty="0">
+                <a:solidFill>
+                  <a:schemeClr val="accent1"/>
+                </a:solidFill>
+              </a:rPr>
+              <a:t>method’s processes</a:t>
+            </a:r>
+          </a:p>
+        </p:txBody>
+      </p:sp>
+    </p:spTree>
+    <p:extLst>
+      <p:ext uri="{BB962C8B-B14F-4D97-AF65-F5344CB8AC3E}">
+        <p14:creationId xmlns:p14="http://schemas.microsoft.com/office/powerpoint/2010/main" val="4091216509"/>
+      </p:ext>
+    </p:extLst>
+  </p:cSld>
+  <p:clrMapOvr>
+    <a:masterClrMapping/>
+  </p:clrMapOvr>
+  <p:timing>
+    <p:tnLst>
+      <p:par>
+        <p:cTn xmlns:p14="http://schemas.microsoft.com/office/powerpoint/2010/main" id="1" dur="indefinite" restart="never" nodeType="tmRoot"/>
+      </p:par>
+    </p:tnLst>
+  </p:timing>
+</p:sld>
+</file>
+
+<file path=ppt/slides/slide11.xml><?xml version="1.0" encoding="utf-8"?>
+<p:sld xmlns:a="http://schemas.openxmlformats.org/drawingml/2006/main" xmlns:r="http://schemas.openxmlformats.org/officeDocument/2006/relationships" xmlns:p="http://schemas.openxmlformats.org/presentationml/2006/main">
+  <p:cSld>
+    <p:spTree>
+      <p:nvGrpSpPr>
+        <p:cNvPr id="1" name=""/>
+        <p:cNvGrpSpPr/>
+        <p:nvPr/>
+      </p:nvGrpSpPr>
+      <p:grpSpPr>
+        <a:xfrm>
+          <a:off x="0" y="0"/>
+          <a:ext cx="0" cy="0"/>
+          <a:chOff x="0" y="0"/>
+          <a:chExt cx="0" cy="0"/>
+        </a:xfrm>
+      </p:grpSpPr>
+      <p:sp>
+        <p:nvSpPr>
+          <p:cNvPr id="231427" name="Rectangle 3"/>
           <p:cNvSpPr>
             <a:spLocks noGrp="1" noChangeArrowheads="1"/>
           </p:cNvSpPr>
@@ -5301,16 +5481,40 @@
             <p:ph sz="quarter" idx="1"/>
           </p:nvPr>
         </p:nvSpPr>
-        <p:spPr/>
+        <p:spPr>
+          <a:xfrm>
+            <a:off x="612648" y="1591056"/>
+            <a:ext cx="8378952" cy="5120640"/>
+          </a:xfrm>
+        </p:spPr>
         <p:txBody>
           <a:bodyPr>
-            <a:noAutofit/>
+            <a:normAutofit/>
           </a:bodyPr>
           <a:lstStyle/>
           <a:p>
             <a:r>
               <a:rPr lang="en-US" dirty="0"/>
-              <a:t>Most often write </a:t>
+              <a:t>Most languages have </a:t>
+            </a:r>
+            <a:r>
+              <a:rPr lang="en-US" i="1" dirty="0" err="1">
+                <a:solidFill>
+                  <a:schemeClr val="accent3"/>
+                </a:solidFill>
+                <a:latin typeface="Times New Roman" charset="0"/>
+                <a:ea typeface="Times New Roman" charset="0"/>
+                <a:cs typeface="Times New Roman" charset="0"/>
+              </a:rPr>
+              <a:t>x</a:t>
+            </a:r>
+            <a:r>
+              <a:rPr lang="en-US" dirty="0" err="1">
+                <a:solidFill>
+                  <a:schemeClr val="accent3"/>
+                </a:solidFill>
+              </a:rPr>
+              <a:t>Unit</a:t>
             </a:r>
             <a:r>
               <a:rPr lang="en-US" dirty="0">
@@ -5318,7 +5522,15 @@
                   <a:schemeClr val="accent3"/>
                 </a:solidFill>
               </a:rPr>
-              <a:t>test class for each class</a:t>
+              <a:t> library for </a:t>
+            </a:r>
+            <a:r>
+              <a:rPr lang="en-US" b="1" dirty="0">
+                <a:solidFill>
+                  <a:schemeClr val="accent3"/>
+                </a:solidFill>
+              </a:rPr>
+              <a:t>unit testing</a:t>
             </a:r>
           </a:p>
           <a:p>
@@ -5329,33 +5541,64 @@
                   <a:schemeClr val="accent1"/>
                 </a:solidFill>
               </a:rPr>
-              <a:t>Identical to other classes</a:t>
+              <a:t>Tests written in language </a:t>
             </a:r>
             <a:r>
               <a:rPr lang="en-US" dirty="0"/>
-              <a:t>; </a:t>
-            </a:r>
-            <a:r>
-              <a:rPr lang="en-US" i="1" dirty="0"/>
-              <a:t>usually</a:t>
-            </a:r>
+              <a:t>so can run anywhere</a:t>
+            </a:r>
+          </a:p>
+          <a:p>
+            <a:pPr lvl="1"/>
             <a:r>
               <a:rPr lang="en-US" dirty="0"/>
-              <a:t> named </a:t>
-            </a:r>
-            <a:r>
-              <a:rPr lang="en-US" b="1" dirty="0">
-                <a:latin typeface="Courier New" panose="02070309020205020404" pitchFamily="49" charset="0"/>
-                <a:cs typeface="Courier New" panose="02070309020205020404" pitchFamily="49" charset="0"/>
-              </a:rPr>
-              <a:t>____Test</a:t>
+              <a:t>Strong support that </a:t>
+            </a:r>
+            <a:r>
+              <a:rPr lang="en-US" dirty="0">
+                <a:solidFill>
+                  <a:schemeClr val="accent1"/>
+                </a:solidFill>
+              </a:rPr>
+              <a:t>make writing tests very easy </a:t>
             </a:r>
           </a:p>
           <a:p>
             <a:pPr lvl="1"/>
             <a:r>
+              <a:rPr lang="en-US" dirty="0">
+                <a:solidFill>
+                  <a:schemeClr val="accent1"/>
+                </a:solidFill>
+              </a:rPr>
+              <a:t>Supported by most IDEs </a:t>
+            </a:r>
+            <a:r>
               <a:rPr lang="en-US" dirty="0"/>
-              <a:t>As regular class, </a:t>
+              <a:t>(e.g., Eclipse, IntelliJ, </a:t>
+            </a:r>
+            <a:r>
+              <a:rPr lang="en-US" dirty="0" err="1"/>
+              <a:t>BlueJ</a:t>
+            </a:r>
+            <a:r>
+              <a:rPr lang="en-US" dirty="0"/>
+              <a:t>)</a:t>
+            </a:r>
+          </a:p>
+          <a:p>
+            <a:pPr lvl="1"/>
+            <a:r>
+              <a:rPr lang="en-US" dirty="0"/>
+              <a:t>Started with Java </a:t>
+            </a:r>
+            <a:r>
+              <a:rPr lang="mr-IN" dirty="0"/>
+              <a:t>–</a:t>
+            </a:r>
+            <a:r>
+              <a:rPr lang="en-US" dirty="0"/>
+              <a:t> </a:t>
             </a:r>
             <a:r>
               <a:rPr lang="en-US" dirty="0">
@@ -5363,85 +5606,59 @@
                   <a:schemeClr val="accent1"/>
                 </a:solidFill>
               </a:rPr>
-              <a:t>can use inheritance &amp; have fields</a:t>
-            </a:r>
-          </a:p>
-          <a:p>
-            <a:pPr lvl="1"/>
+              <a:t>JUnit still gold standard for testing</a:t>
+            </a:r>
+          </a:p>
+          <a:p>
             <a:r>
               <a:rPr lang="en-US" dirty="0">
                 <a:solidFill>
-                  <a:schemeClr val="accent1"/>
-                </a:solidFill>
-              </a:rPr>
-              <a:t>Inheritance &amp; fields not required </a:t>
+                  <a:schemeClr val="accent3"/>
+                </a:solidFill>
+              </a:rPr>
+              <a:t>Automation important </a:t>
             </a:r>
             <a:r>
               <a:rPr lang="en-US" dirty="0"/>
-              <a:t>like any Java class</a:t>
+              <a:t>to allow frequent testing</a:t>
             </a:r>
             <a:endParaRPr lang="en-US" dirty="0">
               <a:solidFill>
-                <a:schemeClr val="accent6"/>
+                <a:srgbClr val="008000"/>
               </a:solidFill>
             </a:endParaRPr>
           </a:p>
           <a:p>
             <a:pPr lvl="1"/>
-            <a:endParaRPr lang="en-US" dirty="0"/>
-          </a:p>
-          <a:p>
             <a:r>
               <a:rPr lang="en-US" dirty="0"/>
-              <a:t>Since ver. 4.0, JUnit’s </a:t>
-            </a:r>
+              <a:t>Testing easy – just</a:t>
+            </a:r>
+            <a:r>
+              <a:rPr lang="en-US" dirty="0">
+                <a:solidFill>
+                  <a:schemeClr val="accent6"/>
+                </a:solidFill>
+              </a:rPr>
+              <a:t> </a:t>
+            </a:r>
+            <a:r>
+              <a:rPr lang="en-US" dirty="0">
+                <a:solidFill>
+                  <a:schemeClr val="accent1"/>
+                </a:solidFill>
+              </a:rPr>
+              <a:t>select “Run As…” “JUnit test”</a:t>
+            </a:r>
+          </a:p>
+          <a:p>
+            <a:pPr lvl="1"/>
             <a:r>
               <a:rPr lang="en-US" b="1" dirty="0">
                 <a:solidFill>
-                  <a:schemeClr val="accent3"/>
-                </a:solidFill>
-              </a:rPr>
-              <a:t>annotations </a:t>
-            </a:r>
-            <a:r>
-              <a:rPr lang="en-US" dirty="0">
-                <a:solidFill>
-                  <a:schemeClr val="accent3"/>
-                </a:solidFill>
-              </a:rPr>
-              <a:t>identify tests</a:t>
-            </a:r>
-            <a:endParaRPr lang="en-US" b="1" dirty="0">
-              <a:solidFill>
-                <a:schemeClr val="accent3"/>
-              </a:solidFill>
-            </a:endParaRPr>
-          </a:p>
-          <a:p>
-            <a:pPr lvl="1"/>
-            <a:r>
-              <a:rPr lang="en-US" dirty="0">
-                <a:solidFill>
-                  <a:schemeClr val="accent1"/>
-                </a:solidFill>
-              </a:rPr>
-              <a:t>Extra information added </a:t>
-            </a:r>
-            <a:r>
-              <a:rPr lang="en-US" dirty="0"/>
-              <a:t>to show method is test case</a:t>
-            </a:r>
-          </a:p>
-          <a:p>
-            <a:pPr lvl="1"/>
-            <a:r>
-              <a:rPr lang="en-US" dirty="0"/>
-              <a:t>Annotation added </a:t>
-            </a:r>
-            <a:r>
-              <a:rPr lang="en-US" b="1" i="1" dirty="0">
-                <a:solidFill>
-                  <a:schemeClr val="accent1"/>
+                  <a:schemeClr val="accent4">
+                    <a:lumMod val="50000"/>
+                  </a:schemeClr>
                 </a:solidFill>
                 <a:effectLst>
                   <a:outerShdw blurRad="38100" dist="38100" dir="2700000" algn="tl">
@@ -5451,22 +5668,88 @@
                   </a:outerShdw>
                 </a:effectLst>
               </a:rPr>
-              <a:t>immediately </a:t>
+              <a:t>Green</a:t>
             </a:r>
             <a:r>
               <a:rPr lang="en-US" dirty="0">
                 <a:solidFill>
+                  <a:schemeClr val="accent6"/>
+                </a:solidFill>
+              </a:rPr>
+              <a:t> </a:t>
+            </a:r>
+            <a:r>
+              <a:rPr lang="en-US" dirty="0">
+                <a:solidFill>
                   <a:schemeClr val="accent1"/>
                 </a:solidFill>
               </a:rPr>
-              <a:t>before method</a:t>
+              <a:t>means good </a:t>
+            </a:r>
+            <a:r>
+              <a:rPr lang="en-US" dirty="0"/>
+              <a:t>– checking results also very easy</a:t>
+            </a:r>
+          </a:p>
+          <a:p>
+            <a:pPr lvl="1"/>
+            <a:r>
+              <a:rPr lang="en-US" dirty="0"/>
+              <a:t>Easy to see problems – </a:t>
+            </a:r>
+            <a:r>
+              <a:rPr lang="en-US" dirty="0">
+                <a:solidFill>
+                  <a:schemeClr val="accent1"/>
+                </a:solidFill>
+              </a:rPr>
+              <a:t>see</a:t>
+            </a:r>
+            <a:r>
+              <a:rPr lang="en-US" dirty="0">
+                <a:solidFill>
+                  <a:schemeClr val="accent6"/>
+                </a:solidFill>
+              </a:rPr>
+              <a:t> </a:t>
+            </a:r>
+            <a:r>
+              <a:rPr lang="en-US" b="1" dirty="0">
+                <a:solidFill>
+                  <a:srgbClr val="FF0000"/>
+                </a:solidFill>
+                <a:effectLst>
+                  <a:outerShdw blurRad="38100" dist="38100" dir="2700000" algn="tl">
+                    <a:srgbClr val="000000">
+                      <a:alpha val="43137"/>
+                    </a:srgbClr>
+                  </a:outerShdw>
+                </a:effectLst>
+              </a:rPr>
+              <a:t>red</a:t>
+            </a:r>
+            <a:r>
+              <a:rPr lang="en-US" dirty="0">
+                <a:solidFill>
+                  <a:schemeClr val="accent6"/>
+                </a:solidFill>
+              </a:rPr>
+              <a:t> </a:t>
+            </a:r>
+            <a:r>
+              <a:rPr lang="en-US" dirty="0">
+                <a:solidFill>
+                  <a:schemeClr val="accent1"/>
+                </a:solidFill>
+              </a:rPr>
+              <a:t>when tests fail</a:t>
             </a:r>
           </a:p>
         </p:txBody>
       </p:sp>
       <p:sp>
         <p:nvSpPr>
-          <p:cNvPr id="224258" name="Rectangle 2"/>
+          <p:cNvPr id="231426" name="Rectangle 2"/>
           <p:cNvSpPr>
             <a:spLocks noGrp="1" noChangeArrowheads="1"/>
           </p:cNvSpPr>
@@ -5481,7 +5764,7 @@
           <a:p>
             <a:r>
               <a:rPr lang="en-US" dirty="0"/>
-              <a:t>JUnit Test Cases Format</a:t>
+              <a:t>Unit Testing Library</a:t>
             </a:r>
           </a:p>
         </p:txBody>
@@ -5489,17 +5772,24 @@
     </p:spTree>
     <p:extLst>
       <p:ext uri="{BB962C8B-B14F-4D97-AF65-F5344CB8AC3E}">
-        <p14:creationId xmlns:p14="http://schemas.microsoft.com/office/powerpoint/2010/main" val="406715214"/>
+        <p14:creationId xmlns:p14="http://schemas.microsoft.com/office/powerpoint/2010/main" val="3639058011"/>
       </p:ext>
     </p:extLst>
   </p:cSld>
   <p:clrMapOvr>
     <a:masterClrMapping/>
   </p:clrMapOvr>
+  <p:timing>
+    <p:tnLst>
+      <p:par>
+        <p:cTn xmlns:p14="http://schemas.microsoft.com/office/powerpoint/2010/main" id="1" dur="indefinite" restart="never" nodeType="tmRoot"/>
+      </p:par>
+    </p:tnLst>
+  </p:timing>
 </p:sld>
 </file>
 
-<file path=ppt/slides/slide11.xml><?xml version="1.0" encoding="utf-8"?>
+<file path=ppt/slides/slide12.xml><?xml version="1.0" encoding="utf-8"?>
 <p:sld xmlns:a="http://schemas.openxmlformats.org/drawingml/2006/main" xmlns:r="http://schemas.openxmlformats.org/officeDocument/2006/relationships" xmlns:p="http://schemas.openxmlformats.org/presentationml/2006/main">
   <p:cSld>
     <p:spTree>
@@ -6127,10 +6417,17 @@
   <p:clrMapOvr>
     <a:masterClrMapping/>
   </p:clrMapOvr>
+  <p:timing>
+    <p:tnLst>
+      <p:par>
+        <p:cTn xmlns:p14="http://schemas.microsoft.com/office/powerpoint/2010/main" id="1" dur="indefinite" restart="never" nodeType="tmRoot"/>
+      </p:par>
+    </p:tnLst>
+  </p:timing>
 </p:sld>
 </file>
 
-<file path=ppt/slides/slide12.xml><?xml version="1.0" encoding="utf-8"?>
+<file path=ppt/slides/slide13.xml><?xml version="1.0" encoding="utf-8"?>
 <p:sld xmlns:a="http://schemas.openxmlformats.org/drawingml/2006/main" xmlns:r="http://schemas.openxmlformats.org/officeDocument/2006/relationships" xmlns:p="http://schemas.openxmlformats.org/presentationml/2006/main">
   <p:cSld>
     <p:spTree>
@@ -7057,10 +7354,17 @@
   <p:clrMapOvr>
     <a:masterClrMapping/>
   </p:clrMapOvr>
+  <p:timing>
+    <p:tnLst>
+      <p:par>
+        <p:cTn xmlns:p14="http://schemas.microsoft.com/office/powerpoint/2010/main" id="1" dur="indefinite" restart="never" nodeType="tmRoot"/>
+      </p:par>
+    </p:tnLst>
+  </p:timing>
 </p:sld>
 </file>
 
-<file path=ppt/slides/slide13.xml><?xml version="1.0" encoding="utf-8"?>
+<file path=ppt/slides/slide14.xml><?xml version="1.0" encoding="utf-8"?>
 <p:sld xmlns:a="http://schemas.openxmlformats.org/drawingml/2006/main" xmlns:r="http://schemas.openxmlformats.org/officeDocument/2006/relationships" xmlns:p="http://schemas.openxmlformats.org/presentationml/2006/main">
   <p:cSld>
     <p:spTree>
@@ -7238,10 +7542,17 @@
   <p:clrMapOvr>
     <a:masterClrMapping/>
   </p:clrMapOvr>
+  <p:timing>
+    <p:tnLst>
+      <p:par>
+        <p:cTn xmlns:p14="http://schemas.microsoft.com/office/powerpoint/2010/main" id="1" dur="indefinite" restart="never" nodeType="tmRoot"/>
+      </p:par>
+    </p:tnLst>
+  </p:timing>
 </p:sld>
 </file>
 
-<file path=ppt/slides/slide14.xml><?xml version="1.0" encoding="utf-8"?>
+<file path=ppt/slides/slide15.xml><?xml version="1.0" encoding="utf-8"?>
 <p:sld xmlns:a="http://schemas.openxmlformats.org/drawingml/2006/main" xmlns:r="http://schemas.openxmlformats.org/officeDocument/2006/relationships" xmlns:p="http://schemas.openxmlformats.org/presentationml/2006/main">
   <p:cSld>
     <p:spTree>
@@ -7514,174 +7825,13 @@
   <p:transition xmlns:p14="http://schemas.microsoft.com/office/powerpoint/2010/main" spd="slow">
     <p:wipe dir="u"/>
   </p:transition>
-</p:sld>
-</file>
-
-<file path=ppt/slides/slide15.xml><?xml version="1.0" encoding="utf-8"?>
-<p:sld xmlns:a="http://schemas.openxmlformats.org/drawingml/2006/main" xmlns:r="http://schemas.openxmlformats.org/officeDocument/2006/relationships" xmlns:p="http://schemas.openxmlformats.org/presentationml/2006/main">
-  <p:cSld>
-    <p:spTree>
-      <p:nvGrpSpPr>
-        <p:cNvPr id="1" name=""/>
-        <p:cNvGrpSpPr/>
-        <p:nvPr/>
-      </p:nvGrpSpPr>
-      <p:grpSpPr>
-        <a:xfrm>
-          <a:off x="0" y="0"/>
-          <a:ext cx="0" cy="0"/>
-          <a:chOff x="0" y="0"/>
-          <a:chExt cx="0" cy="0"/>
-        </a:xfrm>
-      </p:grpSpPr>
-      <p:sp>
-        <p:nvSpPr>
-          <p:cNvPr id="230405" name="Rectangle 5"/>
-          <p:cNvSpPr>
-            <a:spLocks noGrp="1" noChangeArrowheads="1"/>
-          </p:cNvSpPr>
-          <p:nvPr>
-            <p:ph sz="quarter" idx="1"/>
-          </p:nvPr>
-        </p:nvSpPr>
-        <p:spPr>
-          <a:xfrm>
-            <a:off x="612648" y="1591056"/>
-            <a:ext cx="8531352" cy="5120640"/>
-          </a:xfrm>
-        </p:spPr>
-        <p:txBody>
-          <a:bodyPr>
-            <a:normAutofit/>
-          </a:bodyPr>
-          <a:lstStyle/>
-          <a:p>
-            <a:r>
-              <a:rPr lang="en-US" dirty="0"/>
-              <a:t>Computers actually </a:t>
-            </a:r>
-            <a:r>
-              <a:rPr lang="en-US" dirty="0">
-                <a:solidFill>
-                  <a:schemeClr val="accent3"/>
-                </a:solidFill>
-              </a:rPr>
-              <a:t>very bad at math</a:t>
-            </a:r>
-          </a:p>
-          <a:p>
-            <a:pPr lvl="1"/>
-            <a:r>
-              <a:rPr lang="en-US" dirty="0">
-                <a:solidFill>
-                  <a:schemeClr val="accent1"/>
-                </a:solidFill>
-              </a:rPr>
-              <a:t>Decimal numbers hard </a:t>
-            </a:r>
-            <a:r>
-              <a:rPr lang="en-US" dirty="0"/>
-              <a:t>&amp; imprecision always created</a:t>
-            </a:r>
-          </a:p>
-          <a:p>
-            <a:pPr lvl="1"/>
-            <a:r>
-              <a:rPr lang="en-US" dirty="0"/>
-              <a:t>Not limited to computers: </a:t>
-            </a:r>
-            <a:r>
-              <a:rPr lang="en-US" dirty="0">
-                <a:solidFill>
-                  <a:schemeClr val="accent1"/>
-                </a:solidFill>
-              </a:rPr>
-              <a:t>can you write </a:t>
-            </a:r>
-            <a:r>
-              <a:rPr lang="en-US" sz="3500" baseline="30000" dirty="0">
-                <a:solidFill>
-                  <a:schemeClr val="accent1"/>
-                </a:solidFill>
-              </a:rPr>
-              <a:t>2</a:t>
-            </a:r>
-            <a:r>
-              <a:rPr lang="en-US" dirty="0">
-                <a:solidFill>
-                  <a:schemeClr val="accent1"/>
-                </a:solidFill>
-              </a:rPr>
-              <a:t>/</a:t>
-            </a:r>
-            <a:r>
-              <a:rPr lang="en-US" sz="3000" baseline="-25000" dirty="0">
-                <a:solidFill>
-                  <a:schemeClr val="accent1"/>
-                </a:solidFill>
-              </a:rPr>
-              <a:t>3</a:t>
-            </a:r>
-            <a:r>
-              <a:rPr lang="en-US" dirty="0">
-                <a:solidFill>
-                  <a:schemeClr val="accent1"/>
-                </a:solidFill>
-              </a:rPr>
-              <a:t> as decimal?</a:t>
-            </a:r>
-          </a:p>
-          <a:p>
-            <a:pPr marL="68263" indent="0">
-              <a:buNone/>
-            </a:pPr>
-            <a:endParaRPr lang="en-US" sz="2000" b="1" dirty="0">
-              <a:solidFill>
-                <a:schemeClr val="accent1"/>
-              </a:solidFill>
-              <a:latin typeface="Courier New" pitchFamily="49" charset="0"/>
-              <a:cs typeface="Courier New" pitchFamily="49" charset="0"/>
-            </a:endParaRPr>
-          </a:p>
-        </p:txBody>
-      </p:sp>
-      <p:sp>
-        <p:nvSpPr>
-          <p:cNvPr id="230404" name="Rectangle 4"/>
-          <p:cNvSpPr>
-            <a:spLocks noGrp="1" noChangeArrowheads="1"/>
-          </p:cNvSpPr>
-          <p:nvPr>
-            <p:ph type="title"/>
-          </p:nvPr>
-        </p:nvSpPr>
-        <p:spPr/>
-        <p:txBody>
-          <a:bodyPr>
-            <a:normAutofit/>
-          </a:bodyPr>
-          <a:lstStyle/>
-          <a:p>
-            <a:r>
-              <a:rPr lang="en-US" dirty="0"/>
-              <a:t>Math Checks With Decimals</a:t>
-            </a:r>
-          </a:p>
-        </p:txBody>
-      </p:sp>
-    </p:spTree>
-    <p:extLst>
-      <p:ext uri="{BB962C8B-B14F-4D97-AF65-F5344CB8AC3E}">
-        <p14:creationId xmlns:p14="http://schemas.microsoft.com/office/powerpoint/2010/main" val="1001338433"/>
-      </p:ext>
-    </p:extLst>
-  </p:cSld>
-  <p:clrMapOvr>
-    <a:masterClrMapping/>
-  </p:clrMapOvr>
-  <p:transition xmlns:p14="http://schemas.microsoft.com/office/powerpoint/2010/main" spd="slow">
-    <p:wipe dir="u"/>
-  </p:transition>
+  <p:timing>
+    <p:tnLst>
+      <p:par>
+        <p:cTn xmlns:p14="http://schemas.microsoft.com/office/powerpoint/2010/main" id="1" dur="indefinite" restart="never" nodeType="tmRoot"/>
+      </p:par>
+    </p:tnLst>
+  </p:timing>
 </p:sld>
 </file>
 
@@ -7720,13 +7870,13 @@
         </p:spPr>
         <p:txBody>
           <a:bodyPr>
-            <a:noAutofit/>
+            <a:normAutofit/>
           </a:bodyPr>
           <a:lstStyle/>
           <a:p>
             <a:r>
               <a:rPr lang="en-US" dirty="0"/>
-              <a:t>Computers actually</a:t>
+              <a:t>Computers actually </a:t>
             </a:r>
             <a:r>
               <a:rPr lang="en-US" dirty="0">
@@ -7734,7 +7884,7 @@
                   <a:schemeClr val="accent3"/>
                 </a:solidFill>
               </a:rPr>
-              <a:t> very bad at math</a:t>
+              <a:t>very bad at math</a:t>
             </a:r>
           </a:p>
           <a:p>
@@ -7798,265 +7948,15 @@
               </a:rPr>
               <a:t> as decimal?</a:t>
             </a:r>
-            <a:br>
-              <a:rPr lang="en-US" dirty="0">
-                <a:solidFill>
-                  <a:schemeClr val="accent1"/>
-                </a:solidFill>
-              </a:rPr>
-            </a:br>
-            <a:endParaRPr lang="en-US" dirty="0">
+          </a:p>
+          <a:p>
+            <a:pPr marL="68263" indent="0">
+              <a:buNone/>
+            </a:pPr>
+            <a:endParaRPr lang="en-US" sz="2000" b="1" dirty="0">
               <a:solidFill>
                 <a:schemeClr val="accent1"/>
               </a:solidFill>
-            </a:endParaRPr>
-          </a:p>
-          <a:p>
-            <a:r>
-              <a:rPr lang="en-US" b="1" u="sng" dirty="0">
-                <a:solidFill>
-                  <a:schemeClr val="accent3"/>
-                </a:solidFill>
-              </a:rPr>
-              <a:t>Must</a:t>
-            </a:r>
-            <a:r>
-              <a:rPr lang="en-US" dirty="0">
-                <a:solidFill>
-                  <a:schemeClr val="accent3"/>
-                </a:solidFill>
-              </a:rPr>
-              <a:t> specify tolerance </a:t>
-            </a:r>
-            <a:r>
-              <a:rPr lang="en-US" dirty="0"/>
-              <a:t>for decimal comparisons</a:t>
-            </a:r>
-          </a:p>
-          <a:p>
-            <a:pPr lvl="1"/>
-            <a:r>
-              <a:rPr lang="en-US" b="1" dirty="0">
-                <a:latin typeface="Courier New" panose="02070309020205020404" pitchFamily="49" charset="0"/>
-                <a:cs typeface="Courier New" panose="02070309020205020404" pitchFamily="49" charset="0"/>
-              </a:rPr>
-              <a:t>float</a:t>
-            </a:r>
-            <a:r>
-              <a:rPr lang="en-US" dirty="0"/>
-              <a:t> or </a:t>
-            </a:r>
-            <a:r>
-              <a:rPr lang="en-US" b="1" dirty="0">
-                <a:latin typeface="Courier New" panose="02070309020205020404" pitchFamily="49" charset="0"/>
-                <a:cs typeface="Courier New" panose="02070309020205020404" pitchFamily="49" charset="0"/>
-              </a:rPr>
-              <a:t>double</a:t>
-            </a:r>
-            <a:r>
-              <a:rPr lang="en-US" dirty="0"/>
-              <a:t> </a:t>
-            </a:r>
-            <a:r>
-              <a:rPr lang="en-US" dirty="0">
-                <a:solidFill>
-                  <a:schemeClr val="accent1"/>
-                </a:solidFill>
-              </a:rPr>
-              <a:t>equal if difference below tolerance</a:t>
-            </a:r>
-          </a:p>
-          <a:p>
-            <a:pPr marL="454025" lvl="1" indent="0">
-              <a:buNone/>
-            </a:pPr>
-            <a:r>
-              <a:rPr lang="en-US" sz="2400" b="1" dirty="0" err="1">
-                <a:solidFill>
-                  <a:srgbClr val="7030A0"/>
-                </a:solidFill>
-                <a:latin typeface="Courier New" pitchFamily="49" charset="0"/>
-                <a:cs typeface="Courier New" pitchFamily="49" charset="0"/>
-              </a:rPr>
-              <a:t>assertEquals</a:t>
-            </a:r>
-            <a:r>
-              <a:rPr lang="en-US" sz="2400" dirty="0">
-                <a:latin typeface="Courier New" pitchFamily="49" charset="0"/>
-                <a:cs typeface="Courier New" pitchFamily="49" charset="0"/>
-              </a:rPr>
-              <a:t>(</a:t>
-            </a:r>
-            <a:r>
-              <a:rPr lang="en-US" sz="2400" b="1" dirty="0">
-                <a:solidFill>
-                  <a:srgbClr val="04617B"/>
-                </a:solidFill>
-                <a:latin typeface="Courier New" pitchFamily="49" charset="0"/>
-                <a:cs typeface="Courier New" pitchFamily="49" charset="0"/>
-              </a:rPr>
-              <a:t>float</a:t>
-            </a:r>
-            <a:r>
-              <a:rPr lang="en-US" sz="2400" dirty="0">
-                <a:latin typeface="Courier New" pitchFamily="49" charset="0"/>
-                <a:cs typeface="Courier New" pitchFamily="49" charset="0"/>
-              </a:rPr>
-              <a:t> expect, </a:t>
-            </a:r>
-            <a:r>
-              <a:rPr lang="en-US" sz="2400" b="1" dirty="0">
-                <a:solidFill>
-                  <a:srgbClr val="04617B"/>
-                </a:solidFill>
-                <a:latin typeface="Courier New" pitchFamily="49" charset="0"/>
-                <a:cs typeface="Courier New" pitchFamily="49" charset="0"/>
-              </a:rPr>
-              <a:t>float</a:t>
-            </a:r>
-            <a:r>
-              <a:rPr lang="en-US" sz="2400" dirty="0">
-                <a:latin typeface="Courier New" pitchFamily="49" charset="0"/>
-                <a:cs typeface="Courier New" pitchFamily="49" charset="0"/>
-              </a:rPr>
-              <a:t> act, </a:t>
-            </a:r>
-            <a:br>
-              <a:rPr lang="en-US" sz="2400" dirty="0">
-                <a:latin typeface="Courier New" pitchFamily="49" charset="0"/>
-                <a:cs typeface="Courier New" pitchFamily="49" charset="0"/>
-              </a:rPr>
-            </a:br>
-            <a:r>
-              <a:rPr lang="en-US" sz="2400" dirty="0">
-                <a:latin typeface="Courier New" pitchFamily="49" charset="0"/>
-                <a:cs typeface="Courier New" pitchFamily="49" charset="0"/>
-              </a:rPr>
-              <a:t>             </a:t>
-            </a:r>
-            <a:r>
-              <a:rPr lang="en-US" sz="2400" b="1" dirty="0">
-                <a:solidFill>
-                  <a:srgbClr val="04617B"/>
-                </a:solidFill>
-                <a:latin typeface="Courier New" pitchFamily="49" charset="0"/>
-                <a:cs typeface="Courier New" pitchFamily="49" charset="0"/>
-              </a:rPr>
-              <a:t>float </a:t>
-            </a:r>
-            <a:r>
-              <a:rPr lang="en-US" sz="2400" dirty="0">
-                <a:latin typeface="Courier New" pitchFamily="49" charset="0"/>
-                <a:cs typeface="Courier New" pitchFamily="49" charset="0"/>
-              </a:rPr>
-              <a:t>tolerance)</a:t>
-            </a:r>
-            <a:br>
-              <a:rPr lang="en-US" sz="2400" dirty="0">
-                <a:latin typeface="Courier New" pitchFamily="49" charset="0"/>
-                <a:cs typeface="Courier New" pitchFamily="49" charset="0"/>
-              </a:rPr>
-            </a:br>
-            <a:r>
-              <a:rPr lang="en-US" sz="2400" dirty="0">
-                <a:latin typeface="Courier New" pitchFamily="49" charset="0"/>
-                <a:cs typeface="Courier New" pitchFamily="49" charset="0"/>
-              </a:rPr>
-              <a:t/>
-            </a:r>
-            <a:br>
-              <a:rPr lang="en-US" sz="2400" dirty="0">
-                <a:latin typeface="Courier New" pitchFamily="49" charset="0"/>
-                <a:cs typeface="Courier New" pitchFamily="49" charset="0"/>
-              </a:rPr>
-            </a:br>
-            <a:r>
-              <a:rPr lang="en-US" sz="2400" b="1" dirty="0" err="1">
-                <a:solidFill>
-                  <a:srgbClr val="7030A0"/>
-                </a:solidFill>
-                <a:latin typeface="Courier New" pitchFamily="49" charset="0"/>
-                <a:cs typeface="Courier New" pitchFamily="49" charset="0"/>
-              </a:rPr>
-              <a:t>assertEquals</a:t>
-            </a:r>
-            <a:r>
-              <a:rPr lang="en-US" sz="2400" dirty="0">
-                <a:latin typeface="Courier New" pitchFamily="49" charset="0"/>
-                <a:cs typeface="Courier New" pitchFamily="49" charset="0"/>
-              </a:rPr>
-              <a:t>(</a:t>
-            </a:r>
-            <a:r>
-              <a:rPr lang="en-US" sz="2400" b="1" dirty="0">
-                <a:solidFill>
-                  <a:srgbClr val="04617B"/>
-                </a:solidFill>
-                <a:latin typeface="Courier New" pitchFamily="49" charset="0"/>
-                <a:cs typeface="Courier New" pitchFamily="49" charset="0"/>
-              </a:rPr>
-              <a:t>double</a:t>
-            </a:r>
-            <a:r>
-              <a:rPr lang="en-US" sz="2400" dirty="0">
-                <a:latin typeface="Courier New" pitchFamily="49" charset="0"/>
-                <a:cs typeface="Courier New" pitchFamily="49" charset="0"/>
-              </a:rPr>
-              <a:t> expect, </a:t>
-            </a:r>
-            <a:r>
-              <a:rPr lang="en-US" sz="2400" b="1" dirty="0">
-                <a:solidFill>
-                  <a:srgbClr val="04617B"/>
-                </a:solidFill>
-                <a:latin typeface="Courier New" pitchFamily="49" charset="0"/>
-                <a:cs typeface="Courier New" pitchFamily="49" charset="0"/>
-              </a:rPr>
-              <a:t>double</a:t>
-            </a:r>
-            <a:r>
-              <a:rPr lang="en-US" sz="2400" dirty="0">
-                <a:latin typeface="Courier New" pitchFamily="49" charset="0"/>
-                <a:cs typeface="Courier New" pitchFamily="49" charset="0"/>
-              </a:rPr>
-              <a:t> act, </a:t>
-            </a:r>
-            <a:br>
-              <a:rPr lang="en-US" sz="2400" dirty="0">
-                <a:latin typeface="Courier New" pitchFamily="49" charset="0"/>
-                <a:cs typeface="Courier New" pitchFamily="49" charset="0"/>
-              </a:rPr>
-            </a:br>
-            <a:r>
-              <a:rPr lang="en-US" sz="2400" dirty="0">
-                <a:latin typeface="Courier New" pitchFamily="49" charset="0"/>
-                <a:cs typeface="Courier New" pitchFamily="49" charset="0"/>
-              </a:rPr>
-              <a:t>             </a:t>
-            </a:r>
-            <a:r>
-              <a:rPr lang="en-US" sz="2400" b="1" dirty="0">
-                <a:solidFill>
-                  <a:srgbClr val="04617B"/>
-                </a:solidFill>
-                <a:latin typeface="Courier New" pitchFamily="49" charset="0"/>
-                <a:cs typeface="Courier New" pitchFamily="49" charset="0"/>
-              </a:rPr>
-              <a:t>double </a:t>
-            </a:r>
-            <a:r>
-              <a:rPr lang="en-US" sz="2400" dirty="0">
-                <a:latin typeface="Courier New" pitchFamily="49" charset="0"/>
-                <a:cs typeface="Courier New" pitchFamily="49" charset="0"/>
-              </a:rPr>
-              <a:t>tolerance)</a:t>
-            </a:r>
-          </a:p>
-          <a:p>
-            <a:pPr marL="454025" lvl="1" indent="0">
-              <a:buNone/>
-            </a:pPr>
-            <a:endParaRPr lang="en-US" sz="2400" dirty="0">
               <a:latin typeface="Courier New" pitchFamily="49" charset="0"/>
               <a:cs typeface="Courier New" pitchFamily="49" charset="0"/>
             </a:endParaRPr>
@@ -8090,6 +7990,431 @@
     </p:spTree>
     <p:extLst>
       <p:ext uri="{BB962C8B-B14F-4D97-AF65-F5344CB8AC3E}">
+        <p14:creationId xmlns:p14="http://schemas.microsoft.com/office/powerpoint/2010/main" val="1001338433"/>
+      </p:ext>
+    </p:extLst>
+  </p:cSld>
+  <p:clrMapOvr>
+    <a:masterClrMapping/>
+  </p:clrMapOvr>
+  <p:transition xmlns:p14="http://schemas.microsoft.com/office/powerpoint/2010/main" spd="slow">
+    <p:wipe dir="u"/>
+  </p:transition>
+  <p:timing>
+    <p:tnLst>
+      <p:par>
+        <p:cTn xmlns:p14="http://schemas.microsoft.com/office/powerpoint/2010/main" id="1" dur="indefinite" restart="never" nodeType="tmRoot"/>
+      </p:par>
+    </p:tnLst>
+  </p:timing>
+</p:sld>
+</file>
+
+<file path=ppt/slides/slide17.xml><?xml version="1.0" encoding="utf-8"?>
+<p:sld xmlns:a="http://schemas.openxmlformats.org/drawingml/2006/main" xmlns:r="http://schemas.openxmlformats.org/officeDocument/2006/relationships" xmlns:p="http://schemas.openxmlformats.org/presentationml/2006/main">
+  <p:cSld>
+    <p:spTree>
+      <p:nvGrpSpPr>
+        <p:cNvPr id="1" name=""/>
+        <p:cNvGrpSpPr/>
+        <p:nvPr/>
+      </p:nvGrpSpPr>
+      <p:grpSpPr>
+        <a:xfrm>
+          <a:off x="0" y="0"/>
+          <a:ext cx="0" cy="0"/>
+          <a:chOff x="0" y="0"/>
+          <a:chExt cx="0" cy="0"/>
+        </a:xfrm>
+      </p:grpSpPr>
+      <p:sp>
+        <p:nvSpPr>
+          <p:cNvPr id="230405" name="Rectangle 5"/>
+          <p:cNvSpPr>
+            <a:spLocks noGrp="1" noChangeArrowheads="1"/>
+          </p:cNvSpPr>
+          <p:nvPr>
+            <p:ph sz="quarter" idx="1"/>
+          </p:nvPr>
+        </p:nvSpPr>
+        <p:spPr>
+          <a:xfrm>
+            <a:off x="612648" y="1591056"/>
+            <a:ext cx="8531352" cy="5120640"/>
+          </a:xfrm>
+        </p:spPr>
+        <p:txBody>
+          <a:bodyPr>
+            <a:noAutofit/>
+          </a:bodyPr>
+          <a:lstStyle/>
+          <a:p>
+            <a:r>
+              <a:rPr lang="en-US" dirty="0"/>
+              <a:t>Computers actually</a:t>
+            </a:r>
+            <a:r>
+              <a:rPr lang="en-US" dirty="0">
+                <a:solidFill>
+                  <a:schemeClr val="accent3"/>
+                </a:solidFill>
+              </a:rPr>
+              <a:t> very bad at math</a:t>
+            </a:r>
+          </a:p>
+          <a:p>
+            <a:pPr lvl="1"/>
+            <a:r>
+              <a:rPr lang="en-US" dirty="0">
+                <a:solidFill>
+                  <a:schemeClr val="accent1"/>
+                </a:solidFill>
+              </a:rPr>
+              <a:t>Decimal numbers hard </a:t>
+            </a:r>
+            <a:r>
+              <a:rPr lang="en-US" dirty="0"/>
+              <a:t>&amp; imprecision always created</a:t>
+            </a:r>
+          </a:p>
+          <a:p>
+            <a:pPr lvl="1"/>
+            <a:r>
+              <a:rPr lang="en-US" dirty="0"/>
+              <a:t>Not limited to computers: </a:t>
+            </a:r>
+            <a:r>
+              <a:rPr lang="en-US" dirty="0">
+                <a:solidFill>
+                  <a:schemeClr val="accent1"/>
+                </a:solidFill>
+              </a:rPr>
+              <a:t>can you write </a:t>
+            </a:r>
+            <a:r>
+              <a:rPr lang="en-US" sz="3500" baseline="30000" dirty="0">
+                <a:solidFill>
+                  <a:schemeClr val="accent1"/>
+                </a:solidFill>
+              </a:rPr>
+              <a:t>2</a:t>
+            </a:r>
+            <a:r>
+              <a:rPr lang="en-US" dirty="0">
+                <a:solidFill>
+                  <a:schemeClr val="accent1"/>
+                </a:solidFill>
+              </a:rPr>
+              <a:t>/</a:t>
+            </a:r>
+            <a:r>
+              <a:rPr lang="en-US" sz="3000" baseline="-25000" dirty="0">
+                <a:solidFill>
+                  <a:schemeClr val="accent1"/>
+                </a:solidFill>
+              </a:rPr>
+              <a:t>3</a:t>
+            </a:r>
+            <a:r>
+              <a:rPr lang="en-US" dirty="0">
+                <a:solidFill>
+                  <a:schemeClr val="accent1"/>
+                </a:solidFill>
+              </a:rPr>
+              <a:t> as decimal?</a:t>
+            </a:r>
+            <a:br>
+              <a:rPr lang="en-US" dirty="0">
+                <a:solidFill>
+                  <a:schemeClr val="accent1"/>
+                </a:solidFill>
+              </a:rPr>
+            </a:br>
+            <a:endParaRPr lang="en-US" dirty="0">
+              <a:solidFill>
+                <a:schemeClr val="accent1"/>
+              </a:solidFill>
+            </a:endParaRPr>
+          </a:p>
+          <a:p>
+            <a:r>
+              <a:rPr lang="en-US" b="1" u="sng" dirty="0">
+                <a:solidFill>
+                  <a:schemeClr val="accent3"/>
+                </a:solidFill>
+              </a:rPr>
+              <a:t>Must</a:t>
+            </a:r>
+            <a:r>
+              <a:rPr lang="en-US" dirty="0">
+                <a:solidFill>
+                  <a:schemeClr val="accent3"/>
+                </a:solidFill>
+              </a:rPr>
+              <a:t> specify tolerance </a:t>
+            </a:r>
+            <a:r>
+              <a:rPr lang="en-US" dirty="0"/>
+              <a:t>for decimal comparisons</a:t>
+            </a:r>
+          </a:p>
+          <a:p>
+            <a:pPr lvl="1"/>
+            <a:r>
+              <a:rPr lang="en-US" b="1" dirty="0">
+                <a:latin typeface="Courier New" panose="02070309020205020404" pitchFamily="49" charset="0"/>
+                <a:cs typeface="Courier New" panose="02070309020205020404" pitchFamily="49" charset="0"/>
+              </a:rPr>
+              <a:t>float</a:t>
+            </a:r>
+            <a:r>
+              <a:rPr lang="en-US" dirty="0"/>
+              <a:t> or </a:t>
+            </a:r>
+            <a:r>
+              <a:rPr lang="en-US" b="1" dirty="0">
+                <a:latin typeface="Courier New" panose="02070309020205020404" pitchFamily="49" charset="0"/>
+                <a:cs typeface="Courier New" panose="02070309020205020404" pitchFamily="49" charset="0"/>
+              </a:rPr>
+              <a:t>double</a:t>
+            </a:r>
+            <a:r>
+              <a:rPr lang="en-US" dirty="0"/>
+              <a:t> </a:t>
+            </a:r>
+            <a:r>
+              <a:rPr lang="en-US" dirty="0">
+                <a:solidFill>
+                  <a:schemeClr val="accent1"/>
+                </a:solidFill>
+              </a:rPr>
+              <a:t>equal if difference below tolerance</a:t>
+            </a:r>
+          </a:p>
+          <a:p>
+            <a:pPr marL="454025" lvl="1" indent="0">
+              <a:buNone/>
+            </a:pPr>
+            <a:r>
+              <a:rPr lang="en-US" sz="2400" b="1" dirty="0" err="1">
+                <a:solidFill>
+                  <a:srgbClr val="7030A0"/>
+                </a:solidFill>
+                <a:latin typeface="Courier New" pitchFamily="49" charset="0"/>
+                <a:cs typeface="Courier New" pitchFamily="49" charset="0"/>
+              </a:rPr>
+              <a:t>assertEquals</a:t>
+            </a:r>
+            <a:r>
+              <a:rPr lang="en-US" sz="2400" dirty="0">
+                <a:latin typeface="Courier New" pitchFamily="49" charset="0"/>
+                <a:cs typeface="Courier New" pitchFamily="49" charset="0"/>
+              </a:rPr>
+              <a:t>(</a:t>
+            </a:r>
+            <a:r>
+              <a:rPr lang="en-US" sz="2400" b="1" dirty="0">
+                <a:solidFill>
+                  <a:srgbClr val="04617B"/>
+                </a:solidFill>
+                <a:latin typeface="Courier New" pitchFamily="49" charset="0"/>
+                <a:cs typeface="Courier New" pitchFamily="49" charset="0"/>
+              </a:rPr>
+              <a:t>float</a:t>
+            </a:r>
+            <a:r>
+              <a:rPr lang="en-US" sz="2400" dirty="0">
+                <a:latin typeface="Courier New" pitchFamily="49" charset="0"/>
+                <a:cs typeface="Courier New" pitchFamily="49" charset="0"/>
+              </a:rPr>
+              <a:t> expect, </a:t>
+            </a:r>
+            <a:r>
+              <a:rPr lang="en-US" sz="2400" b="1" dirty="0">
+                <a:solidFill>
+                  <a:srgbClr val="04617B"/>
+                </a:solidFill>
+                <a:latin typeface="Courier New" pitchFamily="49" charset="0"/>
+                <a:cs typeface="Courier New" pitchFamily="49" charset="0"/>
+              </a:rPr>
+              <a:t>float</a:t>
+            </a:r>
+            <a:r>
+              <a:rPr lang="en-US" sz="2400" dirty="0">
+                <a:latin typeface="Courier New" pitchFamily="49" charset="0"/>
+                <a:cs typeface="Courier New" pitchFamily="49" charset="0"/>
+              </a:rPr>
+              <a:t> act, </a:t>
+            </a:r>
+            <a:br>
+              <a:rPr lang="en-US" sz="2400" dirty="0">
+                <a:latin typeface="Courier New" pitchFamily="49" charset="0"/>
+                <a:cs typeface="Courier New" pitchFamily="49" charset="0"/>
+              </a:rPr>
+            </a:br>
+            <a:r>
+              <a:rPr lang="en-US" sz="2400" dirty="0">
+                <a:latin typeface="Courier New" pitchFamily="49" charset="0"/>
+                <a:cs typeface="Courier New" pitchFamily="49" charset="0"/>
+              </a:rPr>
+              <a:t>             </a:t>
+            </a:r>
+            <a:r>
+              <a:rPr lang="en-US" sz="2400" b="1" dirty="0">
+                <a:solidFill>
+                  <a:srgbClr val="04617B"/>
+                </a:solidFill>
+                <a:latin typeface="Courier New" pitchFamily="49" charset="0"/>
+                <a:cs typeface="Courier New" pitchFamily="49" charset="0"/>
+              </a:rPr>
+              <a:t>float </a:t>
+            </a:r>
+            <a:r>
+              <a:rPr lang="en-US" sz="2400" dirty="0">
+                <a:latin typeface="Courier New" pitchFamily="49" charset="0"/>
+                <a:cs typeface="Courier New" pitchFamily="49" charset="0"/>
+              </a:rPr>
+              <a:t>tolerance)</a:t>
+            </a:r>
+            <a:br>
+              <a:rPr lang="en-US" sz="2400" dirty="0">
+                <a:latin typeface="Courier New" pitchFamily="49" charset="0"/>
+                <a:cs typeface="Courier New" pitchFamily="49" charset="0"/>
+              </a:rPr>
+            </a:br>
+            <a:r>
+              <a:rPr lang="en-US" sz="2400" dirty="0">
+                <a:latin typeface="Courier New" pitchFamily="49" charset="0"/>
+                <a:cs typeface="Courier New" pitchFamily="49" charset="0"/>
+              </a:rPr>
+              <a:t/>
+            </a:r>
+            <a:br>
+              <a:rPr lang="en-US" sz="2400" dirty="0">
+                <a:latin typeface="Courier New" pitchFamily="49" charset="0"/>
+                <a:cs typeface="Courier New" pitchFamily="49" charset="0"/>
+              </a:rPr>
+            </a:br>
+            <a:r>
+              <a:rPr lang="en-US" sz="2400" b="1" dirty="0" err="1">
+                <a:solidFill>
+                  <a:srgbClr val="7030A0"/>
+                </a:solidFill>
+                <a:latin typeface="Courier New" pitchFamily="49" charset="0"/>
+                <a:cs typeface="Courier New" pitchFamily="49" charset="0"/>
+              </a:rPr>
+              <a:t>assertEquals</a:t>
+            </a:r>
+            <a:r>
+              <a:rPr lang="en-US" sz="2400" dirty="0">
+                <a:latin typeface="Courier New" pitchFamily="49" charset="0"/>
+                <a:cs typeface="Courier New" pitchFamily="49" charset="0"/>
+              </a:rPr>
+              <a:t>(</a:t>
+            </a:r>
+            <a:r>
+              <a:rPr lang="en-US" sz="2400" b="1" dirty="0">
+                <a:solidFill>
+                  <a:srgbClr val="04617B"/>
+                </a:solidFill>
+                <a:latin typeface="Courier New" pitchFamily="49" charset="0"/>
+                <a:cs typeface="Courier New" pitchFamily="49" charset="0"/>
+              </a:rPr>
+              <a:t>double</a:t>
+            </a:r>
+            <a:r>
+              <a:rPr lang="en-US" sz="2400" dirty="0">
+                <a:latin typeface="Courier New" pitchFamily="49" charset="0"/>
+                <a:cs typeface="Courier New" pitchFamily="49" charset="0"/>
+              </a:rPr>
+              <a:t> expect, </a:t>
+            </a:r>
+            <a:r>
+              <a:rPr lang="en-US" sz="2400" b="1" dirty="0">
+                <a:solidFill>
+                  <a:srgbClr val="04617B"/>
+                </a:solidFill>
+                <a:latin typeface="Courier New" pitchFamily="49" charset="0"/>
+                <a:cs typeface="Courier New" pitchFamily="49" charset="0"/>
+              </a:rPr>
+              <a:t>double</a:t>
+            </a:r>
+            <a:r>
+              <a:rPr lang="en-US" sz="2400" dirty="0">
+                <a:latin typeface="Courier New" pitchFamily="49" charset="0"/>
+                <a:cs typeface="Courier New" pitchFamily="49" charset="0"/>
+              </a:rPr>
+              <a:t> act, </a:t>
+            </a:r>
+            <a:br>
+              <a:rPr lang="en-US" sz="2400" dirty="0">
+                <a:latin typeface="Courier New" pitchFamily="49" charset="0"/>
+                <a:cs typeface="Courier New" pitchFamily="49" charset="0"/>
+              </a:rPr>
+            </a:br>
+            <a:r>
+              <a:rPr lang="en-US" sz="2400" dirty="0">
+                <a:latin typeface="Courier New" pitchFamily="49" charset="0"/>
+                <a:cs typeface="Courier New" pitchFamily="49" charset="0"/>
+              </a:rPr>
+              <a:t>             </a:t>
+            </a:r>
+            <a:r>
+              <a:rPr lang="en-US" sz="2400" b="1" dirty="0">
+                <a:solidFill>
+                  <a:srgbClr val="04617B"/>
+                </a:solidFill>
+                <a:latin typeface="Courier New" pitchFamily="49" charset="0"/>
+                <a:cs typeface="Courier New" pitchFamily="49" charset="0"/>
+              </a:rPr>
+              <a:t>double </a:t>
+            </a:r>
+            <a:r>
+              <a:rPr lang="en-US" sz="2400" dirty="0">
+                <a:latin typeface="Courier New" pitchFamily="49" charset="0"/>
+                <a:cs typeface="Courier New" pitchFamily="49" charset="0"/>
+              </a:rPr>
+              <a:t>tolerance)</a:t>
+            </a:r>
+          </a:p>
+          <a:p>
+            <a:pPr marL="454025" lvl="1" indent="0">
+              <a:buNone/>
+            </a:pPr>
+            <a:endParaRPr lang="en-US" sz="2400" dirty="0">
+              <a:latin typeface="Courier New" pitchFamily="49" charset="0"/>
+              <a:cs typeface="Courier New" pitchFamily="49" charset="0"/>
+            </a:endParaRPr>
+          </a:p>
+        </p:txBody>
+      </p:sp>
+      <p:sp>
+        <p:nvSpPr>
+          <p:cNvPr id="230404" name="Rectangle 4"/>
+          <p:cNvSpPr>
+            <a:spLocks noGrp="1" noChangeArrowheads="1"/>
+          </p:cNvSpPr>
+          <p:nvPr>
+            <p:ph type="title"/>
+          </p:nvPr>
+        </p:nvSpPr>
+        <p:spPr/>
+        <p:txBody>
+          <a:bodyPr>
+            <a:normAutofit/>
+          </a:bodyPr>
+          <a:lstStyle/>
+          <a:p>
+            <a:r>
+              <a:rPr lang="en-US" dirty="0"/>
+              <a:t>Math Checks With Decimals</a:t>
+            </a:r>
+          </a:p>
+        </p:txBody>
+      </p:sp>
+    </p:spTree>
+    <p:extLst>
+      <p:ext uri="{BB962C8B-B14F-4D97-AF65-F5344CB8AC3E}">
         <p14:creationId xmlns:p14="http://schemas.microsoft.com/office/powerpoint/2010/main" val="2256921702"/>
       </p:ext>
     </p:extLst>
@@ -8097,10 +8422,17 @@
   <p:clrMapOvr>
     <a:masterClrMapping/>
   </p:clrMapOvr>
+  <p:timing>
+    <p:tnLst>
+      <p:par>
+        <p:cTn xmlns:p14="http://schemas.microsoft.com/office/powerpoint/2010/main" id="1" dur="indefinite" restart="never" nodeType="tmRoot"/>
+      </p:par>
+    </p:tnLst>
+  </p:timing>
 </p:sld>
 </file>
 
-<file path=ppt/slides/slide17.xml><?xml version="1.0" encoding="utf-8"?>
+<file path=ppt/slides/slide18.xml><?xml version="1.0" encoding="utf-8"?>
 <p:sld xmlns:a="http://schemas.openxmlformats.org/drawingml/2006/main" xmlns:r="http://schemas.openxmlformats.org/officeDocument/2006/relationships" xmlns:p="http://schemas.openxmlformats.org/presentationml/2006/main">
   <p:cSld>
     <p:spTree>
@@ -8354,10 +8686,17 @@
   <p:clrMapOvr>
     <a:masterClrMapping/>
   </p:clrMapOvr>
+  <p:timing>
+    <p:tnLst>
+      <p:par>
+        <p:cTn xmlns:p14="http://schemas.microsoft.com/office/powerpoint/2010/main" id="1" dur="indefinite" restart="never" nodeType="tmRoot"/>
+      </p:par>
+    </p:tnLst>
+  </p:timing>
 </p:sld>
 </file>
 
-<file path=ppt/slides/slide18.xml><?xml version="1.0" encoding="utf-8"?>
+<file path=ppt/slides/slide19.xml><?xml version="1.0" encoding="utf-8"?>
 <p:sld xmlns:a="http://schemas.openxmlformats.org/drawingml/2006/main" xmlns:r="http://schemas.openxmlformats.org/officeDocument/2006/relationships" xmlns:p="http://schemas.openxmlformats.org/presentationml/2006/main">
   <p:cSld>
     <p:spTree>
@@ -8735,7 +9074,246 @@
 </p:sld>
 </file>
 
-<file path=ppt/slides/slide19.xml><?xml version="1.0" encoding="utf-8"?>
+<file path=ppt/slides/slide2.xml><?xml version="1.0" encoding="utf-8"?>
+<p:sld xmlns:a="http://schemas.openxmlformats.org/drawingml/2006/main" xmlns:r="http://schemas.openxmlformats.org/officeDocument/2006/relationships" xmlns:p="http://schemas.openxmlformats.org/presentationml/2006/main">
+  <p:cSld>
+    <p:spTree>
+      <p:nvGrpSpPr>
+        <p:cNvPr id="1" name=""/>
+        <p:cNvGrpSpPr/>
+        <p:nvPr/>
+      </p:nvGrpSpPr>
+      <p:grpSpPr>
+        <a:xfrm>
+          <a:off x="0" y="0"/>
+          <a:ext cx="0" cy="0"/>
+          <a:chOff x="0" y="0"/>
+          <a:chExt cx="0" cy="0"/>
+        </a:xfrm>
+      </p:grpSpPr>
+      <p:sp>
+        <p:nvSpPr>
+          <p:cNvPr id="2" name="Content Placeholder 1">
+            <a:extLst>
+              <a:ext uri="{FF2B5EF4-FFF2-40B4-BE49-F238E27FC236}">
+                <a16:creationId xmlns="" xmlns:a16="http://schemas.microsoft.com/office/drawing/2014/main" id="{F996392F-34C4-B545-9727-8FD92E3AB740}"/>
+              </a:ext>
+            </a:extLst>
+          </p:cNvPr>
+          <p:cNvSpPr>
+            <a:spLocks noGrp="1"/>
+          </p:cNvSpPr>
+          <p:nvPr>
+            <p:ph sz="quarter" idx="1"/>
+          </p:nvPr>
+        </p:nvSpPr>
+        <p:spPr>
+          <a:xfrm>
+            <a:off x="612648" y="1591056"/>
+            <a:ext cx="8531352" cy="5120640"/>
+          </a:xfrm>
+        </p:spPr>
+        <p:txBody>
+          <a:bodyPr>
+            <a:normAutofit/>
+          </a:bodyPr>
+          <a:lstStyle/>
+          <a:p>
+            <a:r>
+              <a:rPr lang="en-US" dirty="0"/>
+              <a:t>Course focused on </a:t>
+            </a:r>
+            <a:r>
+              <a:rPr lang="en-US" dirty="0">
+                <a:solidFill>
+                  <a:schemeClr val="accent3"/>
+                </a:solidFill>
+              </a:rPr>
+              <a:t>software engineering concepts</a:t>
+            </a:r>
+          </a:p>
+          <a:p>
+            <a:pPr lvl="1"/>
+            <a:r>
+              <a:rPr lang="en-US" dirty="0">
+                <a:solidFill>
+                  <a:schemeClr val="accent1"/>
+                </a:solidFill>
+              </a:rPr>
+              <a:t>“Make cool stuff” nice</a:t>
+            </a:r>
+            <a:r>
+              <a:rPr lang="en-US" dirty="0"/>
+              <a:t>, but already know capable of this</a:t>
+            </a:r>
+          </a:p>
+          <a:p>
+            <a:pPr lvl="1"/>
+            <a:r>
+              <a:rPr lang="en-US" dirty="0"/>
+              <a:t>Trying to develop </a:t>
+            </a:r>
+            <a:r>
+              <a:rPr lang="en-US" dirty="0">
+                <a:solidFill>
+                  <a:schemeClr val="accent1"/>
+                </a:solidFill>
+              </a:rPr>
+              <a:t>experience &amp; skills on important topics</a:t>
+            </a:r>
+          </a:p>
+          <a:p>
+            <a:pPr lvl="1"/>
+            <a:r>
+              <a:rPr lang="en-US" dirty="0">
+                <a:solidFill>
+                  <a:schemeClr val="accent1"/>
+                </a:solidFill>
+              </a:rPr>
+              <a:t>Rubric (&amp; scores) reflect emphasis</a:t>
+            </a:r>
+            <a:r>
+              <a:rPr lang="en-US" dirty="0"/>
+              <a:t>; efforts should follow</a:t>
+            </a:r>
+          </a:p>
+          <a:p>
+            <a:pPr lvl="1"/>
+            <a:endParaRPr lang="en-US" dirty="0"/>
+          </a:p>
+          <a:p>
+            <a:r>
+              <a:rPr lang="en-US" dirty="0"/>
+              <a:t>Even for 1</a:t>
+            </a:r>
+            <a:r>
+              <a:rPr lang="en-US" baseline="30000" dirty="0"/>
+              <a:t>st</a:t>
+            </a:r>
+            <a:r>
+              <a:rPr lang="en-US" dirty="0"/>
+              <a:t> sprint, </a:t>
+            </a:r>
+            <a:r>
+              <a:rPr lang="en-US" dirty="0">
+                <a:solidFill>
+                  <a:schemeClr val="accent3"/>
+                </a:solidFill>
+              </a:rPr>
+              <a:t>project grows around user stories</a:t>
+            </a:r>
+          </a:p>
+          <a:p>
+            <a:pPr lvl="1"/>
+            <a:r>
+              <a:rPr lang="en-US" dirty="0">
+                <a:solidFill>
+                  <a:schemeClr val="accent1"/>
+                </a:solidFill>
+              </a:rPr>
+              <a:t>Write many more stories </a:t>
+            </a:r>
+            <a:r>
+              <a:rPr lang="en-US" dirty="0"/>
+              <a:t>than sprint will complete</a:t>
+            </a:r>
+          </a:p>
+          <a:p>
+            <a:pPr lvl="1"/>
+            <a:r>
+              <a:rPr lang="en-US" dirty="0"/>
+              <a:t>Improve grade by </a:t>
+            </a:r>
+            <a:r>
+              <a:rPr lang="en-US" dirty="0">
+                <a:solidFill>
+                  <a:schemeClr val="accent1"/>
+                </a:solidFill>
+              </a:rPr>
+              <a:t>checking stories written correctly</a:t>
+            </a:r>
+          </a:p>
+          <a:p>
+            <a:pPr lvl="1"/>
+            <a:r>
+              <a:rPr lang="en-US" dirty="0">
+                <a:solidFill>
+                  <a:schemeClr val="accent1"/>
+                </a:solidFill>
+              </a:rPr>
+              <a:t>Create &amp; use tasks </a:t>
+            </a:r>
+            <a:r>
+              <a:rPr lang="en-US" dirty="0"/>
+              <a:t>to complete work for each sprint</a:t>
+            </a:r>
+          </a:p>
+          <a:p>
+            <a:pPr lvl="1"/>
+            <a:r>
+              <a:rPr lang="en-US" dirty="0"/>
+              <a:t>Use acceptance </a:t>
+            </a:r>
+            <a:r>
+              <a:rPr lang="en-US" dirty="0">
+                <a:solidFill>
+                  <a:schemeClr val="accent1"/>
+                </a:solidFill>
+              </a:rPr>
+              <a:t>tests for working product</a:t>
+            </a:r>
+          </a:p>
+        </p:txBody>
+      </p:sp>
+      <p:sp>
+        <p:nvSpPr>
+          <p:cNvPr id="3" name="Title 2">
+            <a:extLst>
+              <a:ext uri="{FF2B5EF4-FFF2-40B4-BE49-F238E27FC236}">
+                <a16:creationId xmlns="" xmlns:a16="http://schemas.microsoft.com/office/drawing/2014/main" id="{C7AB0666-2B2D-A64C-A474-01C308BDF36E}"/>
+              </a:ext>
+            </a:extLst>
+          </p:cNvPr>
+          <p:cNvSpPr>
+            <a:spLocks noGrp="1"/>
+          </p:cNvSpPr>
+          <p:nvPr>
+            <p:ph type="title"/>
+          </p:nvPr>
+        </p:nvSpPr>
+        <p:spPr/>
+        <p:txBody>
+          <a:bodyPr/>
+          <a:lstStyle/>
+          <a:p>
+            <a:r>
+              <a:rPr lang="en-US" dirty="0"/>
+              <a:t>Overview</a:t>
+            </a:r>
+          </a:p>
+        </p:txBody>
+      </p:sp>
+    </p:spTree>
+    <p:extLst>
+      <p:ext uri="{BB962C8B-B14F-4D97-AF65-F5344CB8AC3E}">
+        <p14:creationId xmlns:p14="http://schemas.microsoft.com/office/powerpoint/2010/main" val="2674150094"/>
+      </p:ext>
+    </p:extLst>
+  </p:cSld>
+  <p:clrMapOvr>
+    <a:masterClrMapping/>
+  </p:clrMapOvr>
+  <p:timing>
+    <p:tnLst>
+      <p:par>
+        <p:cTn xmlns:p14="http://schemas.microsoft.com/office/powerpoint/2010/main" id="1" dur="indefinite" restart="never" nodeType="tmRoot"/>
+      </p:par>
+    </p:tnLst>
+  </p:timing>
+</p:sld>
+</file>
+
+<file path=ppt/slides/slide20.xml><?xml version="1.0" encoding="utf-8"?>
 <p:sld xmlns:a="http://schemas.openxmlformats.org/drawingml/2006/main" xmlns:r="http://schemas.openxmlformats.org/officeDocument/2006/relationships" xmlns:p="http://schemas.openxmlformats.org/presentationml/2006/main">
   <p:cSld>
     <p:spTree>
@@ -9028,242 +9606,17 @@
       </p:transition>
     </mc:Fallback>
   </mc:AlternateContent>
+  <p:timing>
+    <p:tnLst>
+      <p:par>
+        <p:cTn xmlns:p14="http://schemas.microsoft.com/office/powerpoint/2010/main" id="1" dur="indefinite" restart="never" nodeType="tmRoot"/>
+      </p:par>
+    </p:tnLst>
+  </p:timing>
 </p:sld>
 </file>
 
-<file path=ppt/slides/slide2.xml><?xml version="1.0" encoding="utf-8"?>
-<p:sld xmlns:a="http://schemas.openxmlformats.org/drawingml/2006/main" xmlns:r="http://schemas.openxmlformats.org/officeDocument/2006/relationships" xmlns:p="http://schemas.openxmlformats.org/presentationml/2006/main">
-  <p:cSld>
-    <p:spTree>
-      <p:nvGrpSpPr>
-        <p:cNvPr id="1" name=""/>
-        <p:cNvGrpSpPr/>
-        <p:nvPr/>
-      </p:nvGrpSpPr>
-      <p:grpSpPr>
-        <a:xfrm>
-          <a:off x="0" y="0"/>
-          <a:ext cx="0" cy="0"/>
-          <a:chOff x="0" y="0"/>
-          <a:chExt cx="0" cy="0"/>
-        </a:xfrm>
-      </p:grpSpPr>
-      <p:sp>
-        <p:nvSpPr>
-          <p:cNvPr id="2" name="Content Placeholder 1">
-            <a:extLst>
-              <a:ext uri="{FF2B5EF4-FFF2-40B4-BE49-F238E27FC236}">
-                <a16:creationId xmlns="" xmlns:a16="http://schemas.microsoft.com/office/drawing/2014/main" id="{F996392F-34C4-B545-9727-8FD92E3AB740}"/>
-              </a:ext>
-            </a:extLst>
-          </p:cNvPr>
-          <p:cNvSpPr>
-            <a:spLocks noGrp="1"/>
-          </p:cNvSpPr>
-          <p:nvPr>
-            <p:ph sz="quarter" idx="1"/>
-          </p:nvPr>
-        </p:nvSpPr>
-        <p:spPr>
-          <a:xfrm>
-            <a:off x="612648" y="1591056"/>
-            <a:ext cx="8531352" cy="5120640"/>
-          </a:xfrm>
-        </p:spPr>
-        <p:txBody>
-          <a:bodyPr>
-            <a:normAutofit/>
-          </a:bodyPr>
-          <a:lstStyle/>
-          <a:p>
-            <a:r>
-              <a:rPr lang="en-US" dirty="0"/>
-              <a:t>Course focused on </a:t>
-            </a:r>
-            <a:r>
-              <a:rPr lang="en-US" dirty="0">
-                <a:solidFill>
-                  <a:schemeClr val="accent3"/>
-                </a:solidFill>
-              </a:rPr>
-              <a:t>software engineering concepts</a:t>
-            </a:r>
-          </a:p>
-          <a:p>
-            <a:pPr lvl="1"/>
-            <a:r>
-              <a:rPr lang="en-US" dirty="0">
-                <a:solidFill>
-                  <a:schemeClr val="accent1"/>
-                </a:solidFill>
-              </a:rPr>
-              <a:t>“Make cool stuff” nice</a:t>
-            </a:r>
-            <a:r>
-              <a:rPr lang="en-US" dirty="0"/>
-              <a:t>, but already know capable of this</a:t>
-            </a:r>
-          </a:p>
-          <a:p>
-            <a:pPr lvl="1"/>
-            <a:r>
-              <a:rPr lang="en-US" dirty="0"/>
-              <a:t>Trying to develop </a:t>
-            </a:r>
-            <a:r>
-              <a:rPr lang="en-US" dirty="0">
-                <a:solidFill>
-                  <a:schemeClr val="accent1"/>
-                </a:solidFill>
-              </a:rPr>
-              <a:t>experience &amp; skills on important topics</a:t>
-            </a:r>
-          </a:p>
-          <a:p>
-            <a:pPr lvl="1"/>
-            <a:r>
-              <a:rPr lang="en-US" dirty="0">
-                <a:solidFill>
-                  <a:schemeClr val="accent1"/>
-                </a:solidFill>
-              </a:rPr>
-              <a:t>Rubric (&amp; scores) reflect emphasis</a:t>
-            </a:r>
-            <a:r>
-              <a:rPr lang="en-US" dirty="0"/>
-              <a:t>; efforts should follow</a:t>
-            </a:r>
-          </a:p>
-          <a:p>
-            <a:pPr lvl="1"/>
-            <a:endParaRPr lang="en-US" dirty="0"/>
-          </a:p>
-          <a:p>
-            <a:r>
-              <a:rPr lang="en-US" dirty="0"/>
-              <a:t>Even for 1</a:t>
-            </a:r>
-            <a:r>
-              <a:rPr lang="en-US" baseline="30000" dirty="0"/>
-              <a:t>st</a:t>
-            </a:r>
-            <a:r>
-              <a:rPr lang="en-US" dirty="0"/>
-              <a:t> sprint, </a:t>
-            </a:r>
-            <a:r>
-              <a:rPr lang="en-US" dirty="0">
-                <a:solidFill>
-                  <a:schemeClr val="accent3"/>
-                </a:solidFill>
-              </a:rPr>
-              <a:t>project grows around user stories</a:t>
-            </a:r>
-          </a:p>
-          <a:p>
-            <a:pPr lvl="1"/>
-            <a:r>
-              <a:rPr lang="en-US" dirty="0">
-                <a:solidFill>
-                  <a:schemeClr val="accent1"/>
-                </a:solidFill>
-              </a:rPr>
-              <a:t>Write many more stories </a:t>
-            </a:r>
-            <a:r>
-              <a:rPr lang="en-US" dirty="0"/>
-              <a:t>than sprint will complete</a:t>
-            </a:r>
-          </a:p>
-          <a:p>
-            <a:pPr lvl="1"/>
-            <a:r>
-              <a:rPr lang="en-US" dirty="0"/>
-              <a:t>Improve grade by </a:t>
-            </a:r>
-            <a:r>
-              <a:rPr lang="en-US" dirty="0">
-                <a:solidFill>
-                  <a:schemeClr val="accent1"/>
-                </a:solidFill>
-              </a:rPr>
-              <a:t>checking stories written correctly</a:t>
-            </a:r>
-          </a:p>
-          <a:p>
-            <a:pPr lvl="1"/>
-            <a:r>
-              <a:rPr lang="en-US" dirty="0">
-                <a:solidFill>
-                  <a:schemeClr val="accent1"/>
-                </a:solidFill>
-              </a:rPr>
-              <a:t>Create &amp; use tasks </a:t>
-            </a:r>
-            <a:r>
-              <a:rPr lang="en-US" dirty="0"/>
-              <a:t>to complete work for each sprint</a:t>
-            </a:r>
-          </a:p>
-          <a:p>
-            <a:pPr lvl="1"/>
-            <a:r>
-              <a:rPr lang="en-US" dirty="0"/>
-              <a:t>Use acceptance </a:t>
-            </a:r>
-            <a:r>
-              <a:rPr lang="en-US" dirty="0">
-                <a:solidFill>
-                  <a:schemeClr val="accent1"/>
-                </a:solidFill>
-              </a:rPr>
-              <a:t>tests for working product</a:t>
-            </a:r>
-          </a:p>
-        </p:txBody>
-      </p:sp>
-      <p:sp>
-        <p:nvSpPr>
-          <p:cNvPr id="3" name="Title 2">
-            <a:extLst>
-              <a:ext uri="{FF2B5EF4-FFF2-40B4-BE49-F238E27FC236}">
-                <a16:creationId xmlns="" xmlns:a16="http://schemas.microsoft.com/office/drawing/2014/main" id="{C7AB0666-2B2D-A64C-A474-01C308BDF36E}"/>
-              </a:ext>
-            </a:extLst>
-          </p:cNvPr>
-          <p:cNvSpPr>
-            <a:spLocks noGrp="1"/>
-          </p:cNvSpPr>
-          <p:nvPr>
-            <p:ph type="title"/>
-          </p:nvPr>
-        </p:nvSpPr>
-        <p:spPr/>
-        <p:txBody>
-          <a:bodyPr/>
-          <a:lstStyle/>
-          <a:p>
-            <a:r>
-              <a:rPr lang="en-US" dirty="0"/>
-              <a:t>Announcements</a:t>
-            </a:r>
-          </a:p>
-        </p:txBody>
-      </p:sp>
-    </p:spTree>
-    <p:extLst>
-      <p:ext uri="{BB962C8B-B14F-4D97-AF65-F5344CB8AC3E}">
-        <p14:creationId xmlns:p14="http://schemas.microsoft.com/office/powerpoint/2010/main" val="2674150094"/>
-      </p:ext>
-    </p:extLst>
-  </p:cSld>
-  <p:clrMapOvr>
-    <a:masterClrMapping/>
-  </p:clrMapOvr>
-</p:sld>
-</file>
-
-<file path=ppt/slides/slide20.xml><?xml version="1.0" encoding="utf-8"?>
+<file path=ppt/slides/slide21.xml><?xml version="1.0" encoding="utf-8"?>
 <p:sld xmlns:a="http://schemas.openxmlformats.org/drawingml/2006/main" xmlns:r="http://schemas.openxmlformats.org/officeDocument/2006/relationships" xmlns:p="http://schemas.openxmlformats.org/presentationml/2006/main">
   <p:cSld>
     <p:spTree>
@@ -9605,10 +9958,17 @@
   <p:clrMapOvr>
     <a:masterClrMapping/>
   </p:clrMapOvr>
+  <p:timing>
+    <p:tnLst>
+      <p:par>
+        <p:cTn xmlns:p14="http://schemas.microsoft.com/office/powerpoint/2010/main" id="1" dur="indefinite" restart="never" nodeType="tmRoot"/>
+      </p:par>
+    </p:tnLst>
+  </p:timing>
 </p:sld>
 </file>
 
-<file path=ppt/slides/slide21.xml><?xml version="1.0" encoding="utf-8"?>
+<file path=ppt/slides/slide22.xml><?xml version="1.0" encoding="utf-8"?>
 <p:sld xmlns:a="http://schemas.openxmlformats.org/drawingml/2006/main" xmlns:r="http://schemas.openxmlformats.org/officeDocument/2006/relationships" xmlns:p="http://schemas.openxmlformats.org/presentationml/2006/main">
   <p:cSld>
     <p:spTree>
@@ -9947,10 +10307,17 @@
     <a:masterClrMapping/>
   </p:clrMapOvr>
   <p:transition xmlns:p14="http://schemas.microsoft.com/office/powerpoint/2010/main"/>
+  <p:timing>
+    <p:tnLst>
+      <p:par>
+        <p:cTn xmlns:p14="http://schemas.microsoft.com/office/powerpoint/2010/main" id="1" dur="indefinite" restart="never" nodeType="tmRoot"/>
+      </p:par>
+    </p:tnLst>
+  </p:timing>
 </p:sld>
 </file>
 
-<file path=ppt/slides/slide22.xml><?xml version="1.0" encoding="utf-8"?>
+<file path=ppt/slides/slide23.xml><?xml version="1.0" encoding="utf-8"?>
 <p:sld xmlns:a="http://schemas.openxmlformats.org/drawingml/2006/main" xmlns:r="http://schemas.openxmlformats.org/officeDocument/2006/relationships" xmlns:p="http://schemas.openxmlformats.org/presentationml/2006/main">
   <p:cSld>
     <p:spTree>
@@ -12353,7 +12720,7 @@
 </p:sld>
 </file>
 
-<file path=ppt/slides/slide23.xml><?xml version="1.0" encoding="utf-8"?>
+<file path=ppt/slides/slide24.xml><?xml version="1.0" encoding="utf-8"?>
 <p:sld xmlns:a="http://schemas.openxmlformats.org/drawingml/2006/main" xmlns:r="http://schemas.openxmlformats.org/officeDocument/2006/relationships" xmlns:p="http://schemas.openxmlformats.org/presentationml/2006/main">
   <p:cSld>
     <p:spTree>
@@ -12562,10 +12929,17 @@
   <p:clrMapOvr>
     <a:masterClrMapping/>
   </p:clrMapOvr>
+  <p:timing>
+    <p:tnLst>
+      <p:par>
+        <p:cTn xmlns:p14="http://schemas.microsoft.com/office/powerpoint/2010/main" id="1" dur="indefinite" restart="never" nodeType="tmRoot"/>
+      </p:par>
+    </p:tnLst>
+  </p:timing>
 </p:sld>
 </file>
 
-<file path=ppt/slides/slide24.xml><?xml version="1.0" encoding="utf-8"?>
+<file path=ppt/slides/slide25.xml><?xml version="1.0" encoding="utf-8"?>
 <p:sld xmlns:a="http://schemas.openxmlformats.org/drawingml/2006/main" xmlns:r="http://schemas.openxmlformats.org/officeDocument/2006/relationships" xmlns:p="http://schemas.openxmlformats.org/presentationml/2006/main">
   <p:cSld>
     <p:spTree>
@@ -12902,10 +13276,17 @@
     <a:masterClrMapping/>
   </p:clrMapOvr>
   <p:transition xmlns:p14="http://schemas.microsoft.com/office/powerpoint/2010/main"/>
+  <p:timing>
+    <p:tnLst>
+      <p:par>
+        <p:cTn xmlns:p14="http://schemas.microsoft.com/office/powerpoint/2010/main" id="1" dur="indefinite" restart="never" nodeType="tmRoot"/>
+      </p:par>
+    </p:tnLst>
+  </p:timing>
 </p:sld>
 </file>
 
-<file path=ppt/slides/slide25.xml><?xml version="1.0" encoding="utf-8"?>
+<file path=ppt/slides/slide26.xml><?xml version="1.0" encoding="utf-8"?>
 <p:sld xmlns:a="http://schemas.openxmlformats.org/drawingml/2006/main" xmlns:r="http://schemas.openxmlformats.org/officeDocument/2006/relationships" xmlns:p="http://schemas.openxmlformats.org/presentationml/2006/main">
   <p:cSld>
     <p:spTree>
@@ -13278,10 +13659,17 @@
   <p:clrMapOvr>
     <a:masterClrMapping/>
   </p:clrMapOvr>
+  <p:timing>
+    <p:tnLst>
+      <p:par>
+        <p:cTn xmlns:p14="http://schemas.microsoft.com/office/powerpoint/2010/main" id="1" dur="indefinite" restart="never" nodeType="tmRoot"/>
+      </p:par>
+    </p:tnLst>
+  </p:timing>
 </p:sld>
 </file>
 
-<file path=ppt/slides/slide26.xml><?xml version="1.0" encoding="utf-8"?>
+<file path=ppt/slides/slide27.xml><?xml version="1.0" encoding="utf-8"?>
 <p:sld xmlns:a="http://schemas.openxmlformats.org/drawingml/2006/main" xmlns:r="http://schemas.openxmlformats.org/officeDocument/2006/relationships" xmlns:p="http://schemas.openxmlformats.org/presentationml/2006/main">
   <p:cSld>
     <p:spTree>
@@ -13462,10 +13850,17 @@
   <p:clrMapOvr>
     <a:masterClrMapping/>
   </p:clrMapOvr>
+  <p:timing>
+    <p:tnLst>
+      <p:par>
+        <p:cTn xmlns:p14="http://schemas.microsoft.com/office/powerpoint/2010/main" id="1" dur="indefinite" restart="never" nodeType="tmRoot"/>
+      </p:par>
+    </p:tnLst>
+  </p:timing>
 </p:sld>
 </file>
 
-<file path=ppt/slides/slide27.xml><?xml version="1.0" encoding="utf-8"?>
+<file path=ppt/slides/slide28.xml><?xml version="1.0" encoding="utf-8"?>
 <p:sld xmlns:a="http://schemas.openxmlformats.org/drawingml/2006/main" xmlns:r="http://schemas.openxmlformats.org/officeDocument/2006/relationships" xmlns:p="http://schemas.openxmlformats.org/presentationml/2006/main">
   <p:cSld>
     <p:spTree>
@@ -13634,10 +14029,17 @@
   <p:clrMapOvr>
     <a:masterClrMapping/>
   </p:clrMapOvr>
+  <p:timing>
+    <p:tnLst>
+      <p:par>
+        <p:cTn xmlns:p14="http://schemas.microsoft.com/office/powerpoint/2010/main" id="1" dur="indefinite" restart="never" nodeType="tmRoot"/>
+      </p:par>
+    </p:tnLst>
+  </p:timing>
 </p:sld>
 </file>
 
-<file path=ppt/slides/slide28.xml><?xml version="1.0" encoding="utf-8"?>
+<file path=ppt/slides/slide29.xml><?xml version="1.0" encoding="utf-8"?>
 <p:sld xmlns:a="http://schemas.openxmlformats.org/drawingml/2006/main" xmlns:r="http://schemas.openxmlformats.org/officeDocument/2006/relationships" xmlns:p="http://schemas.openxmlformats.org/presentationml/2006/main">
   <p:cSld>
     <p:spTree>
@@ -13856,243 +14258,13 @@
       </p:transition>
     </mc:Fallback>
   </mc:AlternateContent>
-</p:sld>
-</file>
-
-<file path=ppt/slides/slide29.xml><?xml version="1.0" encoding="utf-8"?>
-<p:sld xmlns:a="http://schemas.openxmlformats.org/drawingml/2006/main" xmlns:r="http://schemas.openxmlformats.org/officeDocument/2006/relationships" xmlns:p="http://schemas.openxmlformats.org/presentationml/2006/main">
-  <p:cSld>
-    <p:spTree>
-      <p:nvGrpSpPr>
-        <p:cNvPr id="1" name=""/>
-        <p:cNvGrpSpPr/>
-        <p:nvPr/>
-      </p:nvGrpSpPr>
-      <p:grpSpPr>
-        <a:xfrm>
-          <a:off x="0" y="0"/>
-          <a:ext cx="0" cy="0"/>
-          <a:chOff x="0" y="0"/>
-          <a:chExt cx="0" cy="0"/>
-        </a:xfrm>
-      </p:grpSpPr>
-      <p:sp>
-        <p:nvSpPr>
-          <p:cNvPr id="854019" name="Rectangle 3">
-            <a:extLst>
-              <a:ext uri="{FF2B5EF4-FFF2-40B4-BE49-F238E27FC236}">
-                <a16:creationId xmlns="" xmlns:a16="http://schemas.microsoft.com/office/drawing/2014/main" id="{295A7DF6-035E-A241-B9B3-4AF6E5F6099B}"/>
-              </a:ext>
-            </a:extLst>
-          </p:cNvPr>
-          <p:cNvSpPr>
-            <a:spLocks noGrp="1" noChangeArrowheads="1"/>
-          </p:cNvSpPr>
-          <p:nvPr>
-            <p:ph sz="quarter" idx="1"/>
-          </p:nvPr>
-        </p:nvSpPr>
-        <p:spPr>
-          <a:xfrm>
-            <a:off x="612648" y="1591056"/>
-            <a:ext cx="8531352" cy="5120640"/>
-          </a:xfrm>
-        </p:spPr>
-        <p:txBody>
-          <a:bodyPr>
-            <a:normAutofit/>
-          </a:bodyPr>
-          <a:lstStyle/>
-          <a:p>
-            <a:r>
-              <a:rPr lang="en-US" altLang="en-US" b="1" dirty="0">
-                <a:solidFill>
-                  <a:schemeClr val="accent3"/>
-                </a:solidFill>
-                <a:effectLst>
-                  <a:outerShdw blurRad="50800" dist="38100" dir="2700000" algn="tl" rotWithShape="0">
-                    <a:prstClr val="black">
-                      <a:alpha val="40000"/>
-                    </a:prstClr>
-                  </a:outerShdw>
-                </a:effectLst>
-              </a:rPr>
-              <a:t>Better approach</a:t>
-            </a:r>
-            <a:r>
-              <a:rPr lang="en-US" altLang="en-US" b="1" dirty="0">
-                <a:solidFill>
-                  <a:schemeClr val="accent3"/>
-                </a:solidFill>
-              </a:rPr>
-              <a:t>: </a:t>
-            </a:r>
-            <a:r>
-              <a:rPr lang="en-US" altLang="en-US" dirty="0">
-                <a:solidFill>
-                  <a:schemeClr val="accent3"/>
-                </a:solidFill>
-              </a:rPr>
-              <a:t>Step-by-step script </a:t>
-            </a:r>
-            <a:r>
-              <a:rPr lang="en-US" altLang="en-US" dirty="0"/>
-              <a:t>tests for errors</a:t>
-            </a:r>
-          </a:p>
-          <a:p>
-            <a:pPr lvl="1"/>
-            <a:r>
-              <a:rPr lang="en-US" altLang="en-US" dirty="0"/>
-              <a:t>Low overhead &amp; simple, but also </a:t>
-            </a:r>
-            <a:r>
-              <a:rPr lang="en-US" altLang="en-US" dirty="0">
-                <a:solidFill>
-                  <a:schemeClr val="accent1"/>
-                </a:solidFill>
-              </a:rPr>
-              <a:t>easy to forget to run</a:t>
-            </a:r>
-          </a:p>
-          <a:p>
-            <a:pPr lvl="1"/>
-            <a:r>
-              <a:rPr lang="en-US" altLang="en-US" dirty="0">
-                <a:solidFill>
-                  <a:schemeClr val="accent1"/>
-                </a:solidFill>
-              </a:rPr>
-              <a:t>Discover unexpected bugs</a:t>
-            </a:r>
-            <a:r>
-              <a:rPr lang="en-US" altLang="en-US" dirty="0"/>
-              <a:t> by having testers run scripts</a:t>
-            </a:r>
-          </a:p>
-          <a:p>
-            <a:pPr lvl="1"/>
-            <a:r>
-              <a:rPr lang="en-US" altLang="en-US" dirty="0"/>
-              <a:t>Good rules-of-thumb exist to </a:t>
-            </a:r>
-            <a:r>
-              <a:rPr lang="en-US" altLang="en-US" dirty="0">
-                <a:solidFill>
-                  <a:schemeClr val="accent1"/>
-                </a:solidFill>
-              </a:rPr>
-              <a:t>find many common errors</a:t>
-            </a:r>
-          </a:p>
-          <a:p>
-            <a:pPr lvl="1"/>
-            <a:r>
-              <a:rPr lang="en-US" altLang="en-US" dirty="0">
-                <a:solidFill>
-                  <a:schemeClr val="accent1"/>
-                </a:solidFill>
-              </a:rPr>
-              <a:t>List in task in </a:t>
-            </a:r>
-            <a:r>
-              <a:rPr lang="en-US" altLang="en-US" dirty="0" err="1">
-                <a:solidFill>
-                  <a:schemeClr val="accent1"/>
-                </a:solidFill>
-              </a:rPr>
-              <a:t>ZenHub</a:t>
-            </a:r>
-            <a:r>
-              <a:rPr lang="en-US" altLang="en-US" dirty="0"/>
-              <a:t>; many want files to hold scripts</a:t>
-            </a:r>
-          </a:p>
-        </p:txBody>
-      </p:sp>
-      <p:sp>
-        <p:nvSpPr>
-          <p:cNvPr id="4097" name="Rectangle 2">
-            <a:extLst>
-              <a:ext uri="{FF2B5EF4-FFF2-40B4-BE49-F238E27FC236}">
-                <a16:creationId xmlns="" xmlns:a16="http://schemas.microsoft.com/office/drawing/2014/main" id="{3AA04DB5-B4F1-6147-9EF5-D1402F5DC250}"/>
-              </a:ext>
-            </a:extLst>
-          </p:cNvPr>
-          <p:cNvSpPr>
-            <a:spLocks noGrp="1" noChangeArrowheads="1"/>
-          </p:cNvSpPr>
-          <p:nvPr>
-            <p:ph type="title"/>
-          </p:nvPr>
-        </p:nvSpPr>
-        <p:spPr/>
-        <p:txBody>
-          <a:bodyPr/>
-          <a:lstStyle/>
-          <a:p>
-            <a:r>
-              <a:rPr lang="en-US" altLang="en-US" dirty="0"/>
-              <a:t>Front-End Testing</a:t>
-            </a:r>
-          </a:p>
-        </p:txBody>
-      </p:sp>
-      <p:pic>
-        <p:nvPicPr>
-          <p:cNvPr id="28674" name="Picture 2" descr="https://i.pinimg.com/originals/8a/5b/46/8a5b46078575328fecdb7f6b83e40c42.jpg">
-            <a:extLst>
-              <a:ext uri="{FF2B5EF4-FFF2-40B4-BE49-F238E27FC236}">
-                <a16:creationId xmlns="" xmlns:a16="http://schemas.microsoft.com/office/drawing/2014/main" id="{B8AEC8DF-BB42-DE48-B741-8B4073CD6A65}"/>
-              </a:ext>
-            </a:extLst>
-          </p:cNvPr>
-          <p:cNvPicPr>
-            <a:picLocks noChangeAspect="1" noChangeArrowheads="1"/>
-          </p:cNvPicPr>
-          <p:nvPr/>
-        </p:nvPicPr>
-        <p:blipFill rotWithShape="1">
-          <a:blip r:embed="rId2" cstate="print">
-            <a:extLst>
-              <a:ext uri="{28A0092B-C50C-407E-A947-70E740481C1C}">
-                <a14:useLocalDpi xmlns:a14="http://schemas.microsoft.com/office/drawing/2010/main" val="0"/>
-              </a:ext>
-            </a:extLst>
-          </a:blip>
-          <a:srcRect/>
-          <a:stretch/>
-        </p:blipFill>
-        <p:spPr bwMode="auto">
-          <a:xfrm>
-            <a:off x="838200" y="3969558"/>
-            <a:ext cx="8001000" cy="2812242"/>
-          </a:xfrm>
-          <a:prstGeom prst="rect">
-            <a:avLst/>
-          </a:prstGeom>
-          <a:noFill/>
-          <a:extLst>
-            <a:ext uri="{909E8E84-426E-40dd-AFC4-6F175D3DCCD1}">
-              <a14:hiddenFill xmlns:a14="http://schemas.microsoft.com/office/drawing/2010/main">
-                <a:solidFill>
-                  <a:srgbClr val="FFFFFF"/>
-                </a:solidFill>
-              </a14:hiddenFill>
-            </a:ext>
-          </a:extLst>
-        </p:spPr>
-      </p:pic>
-    </p:spTree>
-    <p:extLst>
-      <p:ext uri="{BB962C8B-B14F-4D97-AF65-F5344CB8AC3E}">
-        <p14:creationId xmlns:p14="http://schemas.microsoft.com/office/powerpoint/2010/main" val="185851564"/>
-      </p:ext>
-    </p:extLst>
-  </p:cSld>
-  <p:clrMapOvr>
-    <a:masterClrMapping/>
-  </p:clrMapOvr>
+  <p:timing>
+    <p:tnLst>
+      <p:par>
+        <p:cTn xmlns:p14="http://schemas.microsoft.com/office/powerpoint/2010/main" id="1" dur="indefinite" restart="never" nodeType="tmRoot"/>
+      </p:par>
+    </p:tnLst>
+  </p:timing>
 </p:sld>
 </file>
 
@@ -14326,6 +14498,13 @@
     <a:masterClrMapping/>
   </p:clrMapOvr>
   <p:transition xmlns:p14="http://schemas.microsoft.com/office/powerpoint/2010/main"/>
+  <p:timing>
+    <p:tnLst>
+      <p:par>
+        <p:cTn xmlns:p14="http://schemas.microsoft.com/office/powerpoint/2010/main" id="1" dur="indefinite" restart="never" nodeType="tmRoot"/>
+      </p:par>
+    </p:tnLst>
+  </p:timing>
 </p:sld>
 </file>
 
@@ -14387,6 +14566,250 @@
                   </a:outerShdw>
                 </a:effectLst>
               </a:rPr>
+              <a:t>Better approach</a:t>
+            </a:r>
+            <a:r>
+              <a:rPr lang="en-US" altLang="en-US" b="1" dirty="0">
+                <a:solidFill>
+                  <a:schemeClr val="accent3"/>
+                </a:solidFill>
+              </a:rPr>
+              <a:t>: </a:t>
+            </a:r>
+            <a:r>
+              <a:rPr lang="en-US" altLang="en-US" dirty="0">
+                <a:solidFill>
+                  <a:schemeClr val="accent3"/>
+                </a:solidFill>
+              </a:rPr>
+              <a:t>Step-by-step script </a:t>
+            </a:r>
+            <a:r>
+              <a:rPr lang="en-US" altLang="en-US" dirty="0"/>
+              <a:t>tests for errors</a:t>
+            </a:r>
+          </a:p>
+          <a:p>
+            <a:pPr lvl="1"/>
+            <a:r>
+              <a:rPr lang="en-US" altLang="en-US" dirty="0"/>
+              <a:t>Low overhead &amp; simple, but also </a:t>
+            </a:r>
+            <a:r>
+              <a:rPr lang="en-US" altLang="en-US" dirty="0">
+                <a:solidFill>
+                  <a:schemeClr val="accent1"/>
+                </a:solidFill>
+              </a:rPr>
+              <a:t>easy to forget to run</a:t>
+            </a:r>
+          </a:p>
+          <a:p>
+            <a:pPr lvl="1"/>
+            <a:r>
+              <a:rPr lang="en-US" altLang="en-US" dirty="0">
+                <a:solidFill>
+                  <a:schemeClr val="accent1"/>
+                </a:solidFill>
+              </a:rPr>
+              <a:t>Discover unexpected bugs</a:t>
+            </a:r>
+            <a:r>
+              <a:rPr lang="en-US" altLang="en-US" dirty="0"/>
+              <a:t> by having testers run scripts</a:t>
+            </a:r>
+          </a:p>
+          <a:p>
+            <a:pPr lvl="1"/>
+            <a:r>
+              <a:rPr lang="en-US" altLang="en-US" dirty="0"/>
+              <a:t>Good rules-of-thumb exist to </a:t>
+            </a:r>
+            <a:r>
+              <a:rPr lang="en-US" altLang="en-US" dirty="0">
+                <a:solidFill>
+                  <a:schemeClr val="accent1"/>
+                </a:solidFill>
+              </a:rPr>
+              <a:t>find many common errors</a:t>
+            </a:r>
+          </a:p>
+          <a:p>
+            <a:pPr lvl="1"/>
+            <a:r>
+              <a:rPr lang="en-US" altLang="en-US" dirty="0">
+                <a:solidFill>
+                  <a:schemeClr val="accent1"/>
+                </a:solidFill>
+              </a:rPr>
+              <a:t>List in task in </a:t>
+            </a:r>
+            <a:r>
+              <a:rPr lang="en-US" altLang="en-US" dirty="0" err="1">
+                <a:solidFill>
+                  <a:schemeClr val="accent1"/>
+                </a:solidFill>
+              </a:rPr>
+              <a:t>ZenHub</a:t>
+            </a:r>
+            <a:r>
+              <a:rPr lang="en-US" altLang="en-US" dirty="0"/>
+              <a:t>; many want files to hold scripts</a:t>
+            </a:r>
+          </a:p>
+        </p:txBody>
+      </p:sp>
+      <p:sp>
+        <p:nvSpPr>
+          <p:cNvPr id="4097" name="Rectangle 2">
+            <a:extLst>
+              <a:ext uri="{FF2B5EF4-FFF2-40B4-BE49-F238E27FC236}">
+                <a16:creationId xmlns="" xmlns:a16="http://schemas.microsoft.com/office/drawing/2014/main" id="{3AA04DB5-B4F1-6147-9EF5-D1402F5DC250}"/>
+              </a:ext>
+            </a:extLst>
+          </p:cNvPr>
+          <p:cNvSpPr>
+            <a:spLocks noGrp="1" noChangeArrowheads="1"/>
+          </p:cNvSpPr>
+          <p:nvPr>
+            <p:ph type="title"/>
+          </p:nvPr>
+        </p:nvSpPr>
+        <p:spPr/>
+        <p:txBody>
+          <a:bodyPr/>
+          <a:lstStyle/>
+          <a:p>
+            <a:r>
+              <a:rPr lang="en-US" altLang="en-US" dirty="0"/>
+              <a:t>Front-End Testing</a:t>
+            </a:r>
+          </a:p>
+        </p:txBody>
+      </p:sp>
+      <p:pic>
+        <p:nvPicPr>
+          <p:cNvPr id="28674" name="Picture 2" descr="https://i.pinimg.com/originals/8a/5b/46/8a5b46078575328fecdb7f6b83e40c42.jpg">
+            <a:extLst>
+              <a:ext uri="{FF2B5EF4-FFF2-40B4-BE49-F238E27FC236}">
+                <a16:creationId xmlns="" xmlns:a16="http://schemas.microsoft.com/office/drawing/2014/main" id="{B8AEC8DF-BB42-DE48-B741-8B4073CD6A65}"/>
+              </a:ext>
+            </a:extLst>
+          </p:cNvPr>
+          <p:cNvPicPr>
+            <a:picLocks noChangeAspect="1" noChangeArrowheads="1"/>
+          </p:cNvPicPr>
+          <p:nvPr/>
+        </p:nvPicPr>
+        <p:blipFill rotWithShape="1">
+          <a:blip r:embed="rId2" cstate="print">
+            <a:extLst>
+              <a:ext uri="{28A0092B-C50C-407E-A947-70E740481C1C}">
+                <a14:useLocalDpi xmlns:a14="http://schemas.microsoft.com/office/drawing/2010/main" val="0"/>
+              </a:ext>
+            </a:extLst>
+          </a:blip>
+          <a:srcRect/>
+          <a:stretch/>
+        </p:blipFill>
+        <p:spPr bwMode="auto">
+          <a:xfrm>
+            <a:off x="838200" y="3969558"/>
+            <a:ext cx="8001000" cy="2812242"/>
+          </a:xfrm>
+          <a:prstGeom prst="rect">
+            <a:avLst/>
+          </a:prstGeom>
+          <a:noFill/>
+          <a:extLst>
+            <a:ext uri="{909E8E84-426E-40dd-AFC4-6F175D3DCCD1}">
+              <a14:hiddenFill xmlns:a14="http://schemas.microsoft.com/office/drawing/2010/main">
+                <a:solidFill>
+                  <a:srgbClr val="FFFFFF"/>
+                </a:solidFill>
+              </a14:hiddenFill>
+            </a:ext>
+          </a:extLst>
+        </p:spPr>
+      </p:pic>
+    </p:spTree>
+    <p:extLst>
+      <p:ext uri="{BB962C8B-B14F-4D97-AF65-F5344CB8AC3E}">
+        <p14:creationId xmlns:p14="http://schemas.microsoft.com/office/powerpoint/2010/main" val="185851564"/>
+      </p:ext>
+    </p:extLst>
+  </p:cSld>
+  <p:clrMapOvr>
+    <a:masterClrMapping/>
+  </p:clrMapOvr>
+  <p:timing>
+    <p:tnLst>
+      <p:par>
+        <p:cTn xmlns:p14="http://schemas.microsoft.com/office/powerpoint/2010/main" id="1" dur="indefinite" restart="never" nodeType="tmRoot"/>
+      </p:par>
+    </p:tnLst>
+  </p:timing>
+</p:sld>
+</file>
+
+<file path=ppt/slides/slide31.xml><?xml version="1.0" encoding="utf-8"?>
+<p:sld xmlns:a="http://schemas.openxmlformats.org/drawingml/2006/main" xmlns:r="http://schemas.openxmlformats.org/officeDocument/2006/relationships" xmlns:p="http://schemas.openxmlformats.org/presentationml/2006/main">
+  <p:cSld>
+    <p:spTree>
+      <p:nvGrpSpPr>
+        <p:cNvPr id="1" name=""/>
+        <p:cNvGrpSpPr/>
+        <p:nvPr/>
+      </p:nvGrpSpPr>
+      <p:grpSpPr>
+        <a:xfrm>
+          <a:off x="0" y="0"/>
+          <a:ext cx="0" cy="0"/>
+          <a:chOff x="0" y="0"/>
+          <a:chExt cx="0" cy="0"/>
+        </a:xfrm>
+      </p:grpSpPr>
+      <p:sp>
+        <p:nvSpPr>
+          <p:cNvPr id="854019" name="Rectangle 3">
+            <a:extLst>
+              <a:ext uri="{FF2B5EF4-FFF2-40B4-BE49-F238E27FC236}">
+                <a16:creationId xmlns="" xmlns:a16="http://schemas.microsoft.com/office/drawing/2014/main" id="{295A7DF6-035E-A241-B9B3-4AF6E5F6099B}"/>
+              </a:ext>
+            </a:extLst>
+          </p:cNvPr>
+          <p:cNvSpPr>
+            <a:spLocks noGrp="1" noChangeArrowheads="1"/>
+          </p:cNvSpPr>
+          <p:nvPr>
+            <p:ph sz="quarter" idx="1"/>
+          </p:nvPr>
+        </p:nvSpPr>
+        <p:spPr>
+          <a:xfrm>
+            <a:off x="612648" y="1591056"/>
+            <a:ext cx="8531352" cy="5120640"/>
+          </a:xfrm>
+        </p:spPr>
+        <p:txBody>
+          <a:bodyPr>
+            <a:normAutofit/>
+          </a:bodyPr>
+          <a:lstStyle/>
+          <a:p>
+            <a:r>
+              <a:rPr lang="en-US" altLang="en-US" b="1" dirty="0">
+                <a:solidFill>
+                  <a:schemeClr val="accent3"/>
+                </a:solidFill>
+                <a:effectLst>
+                  <a:outerShdw blurRad="50800" dist="38100" dir="2700000" algn="tl" rotWithShape="0">
+                    <a:prstClr val="black">
+                      <a:alpha val="40000"/>
+                    </a:prstClr>
+                  </a:outerShdw>
+                </a:effectLst>
+              </a:rPr>
               <a:t>Best approach</a:t>
             </a:r>
             <a:r>
@@ -14655,10 +15078,17 @@
   <p:clrMapOvr>
     <a:masterClrMapping/>
   </p:clrMapOvr>
+  <p:timing>
+    <p:tnLst>
+      <p:par>
+        <p:cTn xmlns:p14="http://schemas.microsoft.com/office/powerpoint/2010/main" id="1" dur="indefinite" restart="never" nodeType="tmRoot"/>
+      </p:par>
+    </p:tnLst>
+  </p:timing>
 </p:sld>
 </file>
 
-<file path=ppt/slides/slide31.xml><?xml version="1.0" encoding="utf-8"?>
+<file path=ppt/slides/slide32.xml><?xml version="1.0" encoding="utf-8"?>
 <p:sld xmlns:a="http://schemas.openxmlformats.org/drawingml/2006/main" xmlns:r="http://schemas.openxmlformats.org/officeDocument/2006/relationships" xmlns:p="http://schemas.openxmlformats.org/presentationml/2006/main">
   <p:cSld>
     <p:spTree>
@@ -14910,10 +15340,17 @@
   <p:clrMapOvr>
     <a:masterClrMapping/>
   </p:clrMapOvr>
+  <p:timing>
+    <p:tnLst>
+      <p:par>
+        <p:cTn xmlns:p14="http://schemas.microsoft.com/office/powerpoint/2010/main" id="1" dur="indefinite" restart="never" nodeType="tmRoot"/>
+      </p:par>
+    </p:tnLst>
+  </p:timing>
 </p:sld>
 </file>
 
-<file path=ppt/slides/slide32.xml><?xml version="1.0" encoding="utf-8"?>
+<file path=ppt/slides/slide33.xml><?xml version="1.0" encoding="utf-8"?>
 <p:sld xmlns:a="http://schemas.openxmlformats.org/drawingml/2006/main" xmlns:r="http://schemas.openxmlformats.org/officeDocument/2006/relationships" xmlns:p="http://schemas.openxmlformats.org/presentationml/2006/main">
   <p:cSld>
     <p:spTree>
@@ -15211,10 +15648,17 @@
   <p:clrMapOvr>
     <a:masterClrMapping/>
   </p:clrMapOvr>
+  <p:timing>
+    <p:tnLst>
+      <p:par>
+        <p:cTn xmlns:p14="http://schemas.microsoft.com/office/powerpoint/2010/main" id="1" dur="indefinite" restart="never" nodeType="tmRoot"/>
+      </p:par>
+    </p:tnLst>
+  </p:timing>
 </p:sld>
 </file>
 
-<file path=ppt/slides/slide33.xml><?xml version="1.0" encoding="utf-8"?>
+<file path=ppt/slides/slide34.xml><?xml version="1.0" encoding="utf-8"?>
 <p:sld xmlns:a="http://schemas.openxmlformats.org/drawingml/2006/main" xmlns:r="http://schemas.openxmlformats.org/officeDocument/2006/relationships" xmlns:p="http://schemas.openxmlformats.org/presentationml/2006/main">
   <p:cSld>
     <p:spTree>
@@ -15422,237 +15866,13 @@
   <p:clrMapOvr>
     <a:masterClrMapping/>
   </p:clrMapOvr>
-</p:sld>
-</file>
-
-<file path=ppt/slides/slide34.xml><?xml version="1.0" encoding="utf-8"?>
-<p:sld xmlns:a="http://schemas.openxmlformats.org/drawingml/2006/main" xmlns:r="http://schemas.openxmlformats.org/officeDocument/2006/relationships" xmlns:p="http://schemas.openxmlformats.org/presentationml/2006/main">
-  <p:cSld>
-    <p:spTree>
-      <p:nvGrpSpPr>
-        <p:cNvPr id="1" name=""/>
-        <p:cNvGrpSpPr/>
-        <p:nvPr/>
-      </p:nvGrpSpPr>
-      <p:grpSpPr>
-        <a:xfrm>
-          <a:off x="0" y="0"/>
-          <a:ext cx="0" cy="0"/>
-          <a:chOff x="0" y="0"/>
-          <a:chExt cx="0" cy="0"/>
-        </a:xfrm>
-      </p:grpSpPr>
-      <p:sp>
-        <p:nvSpPr>
-          <p:cNvPr id="5123" name="Rectangle 3">
-            <a:extLst>
-              <a:ext uri="{FF2B5EF4-FFF2-40B4-BE49-F238E27FC236}">
-                <a16:creationId xmlns="" xmlns:a16="http://schemas.microsoft.com/office/drawing/2014/main" id="{6102D0EF-7AD5-FF4E-9581-5EF614BE2724}"/>
-              </a:ext>
-            </a:extLst>
-          </p:cNvPr>
-          <p:cNvSpPr>
-            <a:spLocks noGrp="1" noChangeArrowheads="1"/>
-          </p:cNvSpPr>
-          <p:nvPr>
-            <p:ph sz="quarter" idx="1"/>
-          </p:nvPr>
-        </p:nvSpPr>
-        <p:spPr>
-          <a:xfrm>
-            <a:off x="612648" y="1591056"/>
-            <a:ext cx="8531352" cy="5120640"/>
-          </a:xfrm>
-        </p:spPr>
-        <p:txBody>
-          <a:bodyPr/>
-          <a:lstStyle/>
-          <a:p>
-            <a:pPr eaLnBrk="1" hangingPunct="1"/>
-            <a:r>
-              <a:rPr lang="en-US" altLang="en-US" b="1" dirty="0">
-                <a:solidFill>
-                  <a:schemeClr val="accent3"/>
-                </a:solidFill>
-              </a:rPr>
-              <a:t>Duplication Issues</a:t>
-            </a:r>
-            <a:r>
-              <a:rPr lang="en-US" altLang="en-US" dirty="0"/>
-              <a:t>: </a:t>
-            </a:r>
-            <a:r>
-              <a:rPr lang="en-US" altLang="en-US" dirty="0">
-                <a:solidFill>
-                  <a:srgbClr val="7030A0"/>
-                </a:solidFill>
-              </a:rPr>
-              <a:t>Repeatedly enter same input</a:t>
-            </a:r>
-          </a:p>
-          <a:p>
-            <a:pPr lvl="1"/>
-            <a:r>
-              <a:rPr lang="en-US" altLang="en-US" dirty="0">
-                <a:solidFill>
-                  <a:schemeClr val="accent1"/>
-                </a:solidFill>
-              </a:rPr>
-              <a:t> </a:t>
-            </a:r>
-            <a:r>
-              <a:rPr lang="en-US" altLang="en-US" strike="sngStrike" dirty="0">
-                <a:solidFill>
-                  <a:schemeClr val="accent1"/>
-                </a:solidFill>
-              </a:rPr>
-              <a:t>If</a:t>
-            </a:r>
-            <a:r>
-              <a:rPr lang="en-US" altLang="en-US" dirty="0">
-                <a:solidFill>
-                  <a:schemeClr val="accent1"/>
-                </a:solidFill>
-              </a:rPr>
-              <a:t> When they add/remove multiple times</a:t>
-            </a:r>
-            <a:r>
-              <a:rPr lang="en-US" altLang="en-US" dirty="0"/>
-              <a:t>, what is error?</a:t>
-            </a:r>
-          </a:p>
-          <a:p>
-            <a:pPr lvl="1"/>
-            <a:r>
-              <a:rPr lang="en-US" altLang="en-US" dirty="0"/>
-              <a:t>Does app handle (or provide clues) for </a:t>
-            </a:r>
-            <a:r>
-              <a:rPr lang="en-US" altLang="en-US" dirty="0">
-                <a:solidFill>
-                  <a:schemeClr val="accent1"/>
-                </a:solidFill>
-              </a:rPr>
-              <a:t>impatient users?</a:t>
-            </a:r>
-            <a:r>
-              <a:rPr lang="en-US" altLang="en-US" dirty="0"/>
-              <a:t> </a:t>
-            </a:r>
-            <a:endParaRPr lang="en-US" altLang="en-US" dirty="0">
-              <a:solidFill>
-                <a:schemeClr val="accent1"/>
-              </a:solidFill>
-            </a:endParaRPr>
-          </a:p>
-          <a:p>
-            <a:pPr lvl="1"/>
-            <a:r>
-              <a:rPr lang="en-US" altLang="en-US" dirty="0">
-                <a:solidFill>
-                  <a:schemeClr val="accent1"/>
-                </a:solidFill>
-              </a:rPr>
-              <a:t>“Back” button tempting</a:t>
-            </a:r>
-            <a:r>
-              <a:rPr lang="en-US" altLang="en-US" dirty="0"/>
-              <a:t>, what does it do to web app?</a:t>
-            </a:r>
-          </a:p>
-        </p:txBody>
-      </p:sp>
-      <p:sp>
-        <p:nvSpPr>
-          <p:cNvPr id="5122" name="Rectangle 2">
-            <a:extLst>
-              <a:ext uri="{FF2B5EF4-FFF2-40B4-BE49-F238E27FC236}">
-                <a16:creationId xmlns="" xmlns:a16="http://schemas.microsoft.com/office/drawing/2014/main" id="{9C0AF07F-D697-7F40-BFA1-E224231A482F}"/>
-              </a:ext>
-            </a:extLst>
-          </p:cNvPr>
-          <p:cNvSpPr>
-            <a:spLocks noGrp="1" noChangeArrowheads="1"/>
-          </p:cNvSpPr>
-          <p:nvPr>
-            <p:ph type="title"/>
-          </p:nvPr>
-        </p:nvSpPr>
-        <p:spPr>
-          <a:xfrm>
-            <a:off x="609600" y="228600"/>
-            <a:ext cx="8534400" cy="990600"/>
-          </a:xfrm>
-        </p:spPr>
-        <p:txBody>
-          <a:bodyPr>
-            <a:normAutofit/>
-          </a:bodyPr>
-          <a:lstStyle/>
-          <a:p>
-            <a:pPr eaLnBrk="1" hangingPunct="1"/>
-            <a:r>
-              <a:rPr lang="en-US" altLang="en-US" dirty="0"/>
-              <a:t>Common Front-End Errors</a:t>
-            </a:r>
-          </a:p>
-        </p:txBody>
-      </p:sp>
-      <p:pic>
-        <p:nvPicPr>
-          <p:cNvPr id="20482" name="Picture 2" descr="https://i.stack.imgur.com/k5qzK.png">
-            <a:extLst>
-              <a:ext uri="{FF2B5EF4-FFF2-40B4-BE49-F238E27FC236}">
-                <a16:creationId xmlns="" xmlns:a16="http://schemas.microsoft.com/office/drawing/2014/main" id="{63D8462C-602C-504D-A2FA-4A2181C025FA}"/>
-              </a:ext>
-            </a:extLst>
-          </p:cNvPr>
-          <p:cNvPicPr>
-            <a:picLocks noChangeAspect="1" noChangeArrowheads="1"/>
-          </p:cNvPicPr>
-          <p:nvPr/>
-        </p:nvPicPr>
-        <p:blipFill rotWithShape="1">
-          <a:blip r:embed="rId2" cstate="print">
-            <a:extLst>
-              <a:ext uri="{28A0092B-C50C-407E-A947-70E740481C1C}">
-                <a14:useLocalDpi xmlns:a14="http://schemas.microsoft.com/office/drawing/2010/main" val="0"/>
-              </a:ext>
-            </a:extLst>
-          </a:blip>
-          <a:srcRect l="6034" t="3981" r="13647" b="12438"/>
-          <a:stretch/>
-        </p:blipFill>
-        <p:spPr bwMode="auto">
-          <a:xfrm>
-            <a:off x="2133600" y="3581400"/>
-            <a:ext cx="4479582" cy="3091543"/>
-          </a:xfrm>
-          <a:prstGeom prst="rect">
-            <a:avLst/>
-          </a:prstGeom>
-          <a:noFill/>
-          <a:extLst>
-            <a:ext uri="{909E8E84-426E-40dd-AFC4-6F175D3DCCD1}">
-              <a14:hiddenFill xmlns:a14="http://schemas.microsoft.com/office/drawing/2010/main">
-                <a:solidFill>
-                  <a:srgbClr val="FFFFFF"/>
-                </a:solidFill>
-              </a14:hiddenFill>
-            </a:ext>
-          </a:extLst>
-        </p:spPr>
-      </p:pic>
-    </p:spTree>
-    <p:extLst>
-      <p:ext uri="{BB962C8B-B14F-4D97-AF65-F5344CB8AC3E}">
-        <p14:creationId xmlns:p14="http://schemas.microsoft.com/office/powerpoint/2010/main" val="3967634370"/>
-      </p:ext>
-    </p:extLst>
-  </p:cSld>
-  <p:clrMapOvr>
-    <a:masterClrMapping/>
-  </p:clrMapOvr>
+  <p:timing>
+    <p:tnLst>
+      <p:par>
+        <p:cTn xmlns:p14="http://schemas.microsoft.com/office/powerpoint/2010/main" id="1" dur="indefinite" restart="never" nodeType="tmRoot"/>
+      </p:par>
+    </p:tnLst>
+  </p:timing>
 </p:sld>
 </file>
 
@@ -15706,6 +15926,244 @@
                   <a:schemeClr val="accent3"/>
                 </a:solidFill>
               </a:rPr>
+              <a:t>Duplication Issues</a:t>
+            </a:r>
+            <a:r>
+              <a:rPr lang="en-US" altLang="en-US" dirty="0"/>
+              <a:t>: </a:t>
+            </a:r>
+            <a:r>
+              <a:rPr lang="en-US" altLang="en-US" dirty="0">
+                <a:solidFill>
+                  <a:srgbClr val="7030A0"/>
+                </a:solidFill>
+              </a:rPr>
+              <a:t>Repeatedly enter same input</a:t>
+            </a:r>
+          </a:p>
+          <a:p>
+            <a:pPr lvl="1"/>
+            <a:r>
+              <a:rPr lang="en-US" altLang="en-US" dirty="0">
+                <a:solidFill>
+                  <a:schemeClr val="accent1"/>
+                </a:solidFill>
+              </a:rPr>
+              <a:t> </a:t>
+            </a:r>
+            <a:r>
+              <a:rPr lang="en-US" altLang="en-US" strike="sngStrike" dirty="0">
+                <a:solidFill>
+                  <a:schemeClr val="accent1"/>
+                </a:solidFill>
+              </a:rPr>
+              <a:t>If</a:t>
+            </a:r>
+            <a:r>
+              <a:rPr lang="en-US" altLang="en-US" dirty="0">
+                <a:solidFill>
+                  <a:schemeClr val="accent1"/>
+                </a:solidFill>
+              </a:rPr>
+              <a:t> When they add/remove multiple times</a:t>
+            </a:r>
+            <a:r>
+              <a:rPr lang="en-US" altLang="en-US" dirty="0"/>
+              <a:t>, what is error?</a:t>
+            </a:r>
+          </a:p>
+          <a:p>
+            <a:pPr lvl="1"/>
+            <a:r>
+              <a:rPr lang="en-US" altLang="en-US" dirty="0"/>
+              <a:t>Does app handle (or provide clues) for </a:t>
+            </a:r>
+            <a:r>
+              <a:rPr lang="en-US" altLang="en-US" dirty="0">
+                <a:solidFill>
+                  <a:schemeClr val="accent1"/>
+                </a:solidFill>
+              </a:rPr>
+              <a:t>impatient users?</a:t>
+            </a:r>
+            <a:r>
+              <a:rPr lang="en-US" altLang="en-US" dirty="0"/>
+              <a:t> </a:t>
+            </a:r>
+            <a:endParaRPr lang="en-US" altLang="en-US" dirty="0">
+              <a:solidFill>
+                <a:schemeClr val="accent1"/>
+              </a:solidFill>
+            </a:endParaRPr>
+          </a:p>
+          <a:p>
+            <a:pPr lvl="1"/>
+            <a:r>
+              <a:rPr lang="en-US" altLang="en-US" dirty="0">
+                <a:solidFill>
+                  <a:schemeClr val="accent1"/>
+                </a:solidFill>
+              </a:rPr>
+              <a:t>“Back” button tempting</a:t>
+            </a:r>
+            <a:r>
+              <a:rPr lang="en-US" altLang="en-US" dirty="0"/>
+              <a:t>, what does it do to web app?</a:t>
+            </a:r>
+          </a:p>
+        </p:txBody>
+      </p:sp>
+      <p:sp>
+        <p:nvSpPr>
+          <p:cNvPr id="5122" name="Rectangle 2">
+            <a:extLst>
+              <a:ext uri="{FF2B5EF4-FFF2-40B4-BE49-F238E27FC236}">
+                <a16:creationId xmlns="" xmlns:a16="http://schemas.microsoft.com/office/drawing/2014/main" id="{9C0AF07F-D697-7F40-BFA1-E224231A482F}"/>
+              </a:ext>
+            </a:extLst>
+          </p:cNvPr>
+          <p:cNvSpPr>
+            <a:spLocks noGrp="1" noChangeArrowheads="1"/>
+          </p:cNvSpPr>
+          <p:nvPr>
+            <p:ph type="title"/>
+          </p:nvPr>
+        </p:nvSpPr>
+        <p:spPr>
+          <a:xfrm>
+            <a:off x="609600" y="228600"/>
+            <a:ext cx="8534400" cy="990600"/>
+          </a:xfrm>
+        </p:spPr>
+        <p:txBody>
+          <a:bodyPr>
+            <a:normAutofit/>
+          </a:bodyPr>
+          <a:lstStyle/>
+          <a:p>
+            <a:pPr eaLnBrk="1" hangingPunct="1"/>
+            <a:r>
+              <a:rPr lang="en-US" altLang="en-US" dirty="0"/>
+              <a:t>Common Front-End Errors</a:t>
+            </a:r>
+          </a:p>
+        </p:txBody>
+      </p:sp>
+      <p:pic>
+        <p:nvPicPr>
+          <p:cNvPr id="20482" name="Picture 2" descr="https://i.stack.imgur.com/k5qzK.png">
+            <a:extLst>
+              <a:ext uri="{FF2B5EF4-FFF2-40B4-BE49-F238E27FC236}">
+                <a16:creationId xmlns="" xmlns:a16="http://schemas.microsoft.com/office/drawing/2014/main" id="{63D8462C-602C-504D-A2FA-4A2181C025FA}"/>
+              </a:ext>
+            </a:extLst>
+          </p:cNvPr>
+          <p:cNvPicPr>
+            <a:picLocks noChangeAspect="1" noChangeArrowheads="1"/>
+          </p:cNvPicPr>
+          <p:nvPr/>
+        </p:nvPicPr>
+        <p:blipFill rotWithShape="1">
+          <a:blip r:embed="rId2" cstate="print">
+            <a:extLst>
+              <a:ext uri="{28A0092B-C50C-407E-A947-70E740481C1C}">
+                <a14:useLocalDpi xmlns:a14="http://schemas.microsoft.com/office/drawing/2010/main" val="0"/>
+              </a:ext>
+            </a:extLst>
+          </a:blip>
+          <a:srcRect l="6034" t="3981" r="13647" b="12438"/>
+          <a:stretch/>
+        </p:blipFill>
+        <p:spPr bwMode="auto">
+          <a:xfrm>
+            <a:off x="2133600" y="3581400"/>
+            <a:ext cx="4479582" cy="3091543"/>
+          </a:xfrm>
+          <a:prstGeom prst="rect">
+            <a:avLst/>
+          </a:prstGeom>
+          <a:noFill/>
+          <a:extLst>
+            <a:ext uri="{909E8E84-426E-40dd-AFC4-6F175D3DCCD1}">
+              <a14:hiddenFill xmlns:a14="http://schemas.microsoft.com/office/drawing/2010/main">
+                <a:solidFill>
+                  <a:srgbClr val="FFFFFF"/>
+                </a:solidFill>
+              </a14:hiddenFill>
+            </a:ext>
+          </a:extLst>
+        </p:spPr>
+      </p:pic>
+    </p:spTree>
+    <p:extLst>
+      <p:ext uri="{BB962C8B-B14F-4D97-AF65-F5344CB8AC3E}">
+        <p14:creationId xmlns:p14="http://schemas.microsoft.com/office/powerpoint/2010/main" val="3967634370"/>
+      </p:ext>
+    </p:extLst>
+  </p:cSld>
+  <p:clrMapOvr>
+    <a:masterClrMapping/>
+  </p:clrMapOvr>
+  <p:timing>
+    <p:tnLst>
+      <p:par>
+        <p:cTn xmlns:p14="http://schemas.microsoft.com/office/powerpoint/2010/main" id="1" dur="indefinite" restart="never" nodeType="tmRoot"/>
+      </p:par>
+    </p:tnLst>
+  </p:timing>
+</p:sld>
+</file>
+
+<file path=ppt/slides/slide36.xml><?xml version="1.0" encoding="utf-8"?>
+<p:sld xmlns:a="http://schemas.openxmlformats.org/drawingml/2006/main" xmlns:r="http://schemas.openxmlformats.org/officeDocument/2006/relationships" xmlns:p="http://schemas.openxmlformats.org/presentationml/2006/main">
+  <p:cSld>
+    <p:spTree>
+      <p:nvGrpSpPr>
+        <p:cNvPr id="1" name=""/>
+        <p:cNvGrpSpPr/>
+        <p:nvPr/>
+      </p:nvGrpSpPr>
+      <p:grpSpPr>
+        <a:xfrm>
+          <a:off x="0" y="0"/>
+          <a:ext cx="0" cy="0"/>
+          <a:chOff x="0" y="0"/>
+          <a:chExt cx="0" cy="0"/>
+        </a:xfrm>
+      </p:grpSpPr>
+      <p:sp>
+        <p:nvSpPr>
+          <p:cNvPr id="5123" name="Rectangle 3">
+            <a:extLst>
+              <a:ext uri="{FF2B5EF4-FFF2-40B4-BE49-F238E27FC236}">
+                <a16:creationId xmlns="" xmlns:a16="http://schemas.microsoft.com/office/drawing/2014/main" id="{6102D0EF-7AD5-FF4E-9581-5EF614BE2724}"/>
+              </a:ext>
+            </a:extLst>
+          </p:cNvPr>
+          <p:cNvSpPr>
+            <a:spLocks noGrp="1" noChangeArrowheads="1"/>
+          </p:cNvSpPr>
+          <p:nvPr>
+            <p:ph sz="quarter" idx="1"/>
+          </p:nvPr>
+        </p:nvSpPr>
+        <p:spPr>
+          <a:xfrm>
+            <a:off x="612648" y="1591056"/>
+            <a:ext cx="8531352" cy="5120640"/>
+          </a:xfrm>
+        </p:spPr>
+        <p:txBody>
+          <a:bodyPr/>
+          <a:lstStyle/>
+          <a:p>
+            <a:pPr eaLnBrk="1" hangingPunct="1"/>
+            <a:r>
+              <a:rPr lang="en-US" altLang="en-US" b="1" dirty="0">
+                <a:solidFill>
+                  <a:schemeClr val="accent3"/>
+                </a:solidFill>
+              </a:rPr>
               <a:t>Invalid Data</a:t>
             </a:r>
             <a:r>
@@ -15884,10 +16342,17 @@
   <p:clrMapOvr>
     <a:masterClrMapping/>
   </p:clrMapOvr>
+  <p:timing>
+    <p:tnLst>
+      <p:par>
+        <p:cTn xmlns:p14="http://schemas.microsoft.com/office/powerpoint/2010/main" id="1" dur="indefinite" restart="never" nodeType="tmRoot"/>
+      </p:par>
+    </p:tnLst>
+  </p:timing>
 </p:sld>
 </file>
 
-<file path=ppt/slides/slide36.xml><?xml version="1.0" encoding="utf-8"?>
+<file path=ppt/slides/slide37.xml><?xml version="1.0" encoding="utf-8"?>
 <p:sld xmlns:a="http://schemas.openxmlformats.org/drawingml/2006/main" xmlns:r="http://schemas.openxmlformats.org/officeDocument/2006/relationships" xmlns:p="http://schemas.openxmlformats.org/presentationml/2006/main">
   <p:cSld>
     <p:spTree>
@@ -16152,10 +16617,17 @@
   <p:clrMapOvr>
     <a:masterClrMapping/>
   </p:clrMapOvr>
+  <p:timing>
+    <p:tnLst>
+      <p:par>
+        <p:cTn xmlns:p14="http://schemas.microsoft.com/office/powerpoint/2010/main" id="1" dur="indefinite" restart="never" nodeType="tmRoot"/>
+      </p:par>
+    </p:tnLst>
+  </p:timing>
 </p:sld>
 </file>
 
-<file path=ppt/slides/slide37.xml><?xml version="1.0" encoding="utf-8"?>
+<file path=ppt/slides/slide38.xml><?xml version="1.0" encoding="utf-8"?>
 <p:sld xmlns:a="http://schemas.openxmlformats.org/drawingml/2006/main" xmlns:r="http://schemas.openxmlformats.org/officeDocument/2006/relationships" xmlns:p="http://schemas.openxmlformats.org/presentationml/2006/main">
   <p:cSld>
     <p:spTree>
@@ -16423,6 +16895,13 @@
   <p:clrMapOvr>
     <a:masterClrMapping/>
   </p:clrMapOvr>
+  <p:timing>
+    <p:tnLst>
+      <p:par>
+        <p:cTn xmlns:p14="http://schemas.microsoft.com/office/powerpoint/2010/main" id="1" dur="indefinite" restart="never" nodeType="tmRoot"/>
+      </p:par>
+    </p:tnLst>
+  </p:timing>
 </p:sld>
 </file>
 
@@ -16550,6 +17029,13 @@
   <p:clrMapOvr>
     <a:masterClrMapping/>
   </p:clrMapOvr>
+  <p:timing>
+    <p:tnLst>
+      <p:par>
+        <p:cTn xmlns:p14="http://schemas.microsoft.com/office/powerpoint/2010/main" id="1" dur="indefinite" restart="never" nodeType="tmRoot"/>
+      </p:par>
+    </p:tnLst>
+  </p:timing>
 </p:sld>
 </file>
 
@@ -16838,6 +17324,13 @@
       </p:transition>
     </mc:Fallback>
   </mc:AlternateContent>
+  <p:timing>
+    <p:tnLst>
+      <p:par>
+        <p:cTn xmlns:p14="http://schemas.microsoft.com/office/powerpoint/2010/main" id="1" dur="indefinite" restart="never" nodeType="tmRoot"/>
+      </p:par>
+    </p:tnLst>
+  </p:timing>
 </p:sld>
 </file>
 
@@ -17010,10 +17503,351 @@
   <p:clrMapOvr>
     <a:masterClrMapping/>
   </p:clrMapOvr>
+  <p:timing>
+    <p:tnLst>
+      <p:par>
+        <p:cTn xmlns:p14="http://schemas.microsoft.com/office/powerpoint/2010/main" id="1" dur="indefinite" restart="never" nodeType="tmRoot"/>
+      </p:par>
+    </p:tnLst>
+  </p:timing>
 </p:sld>
 </file>
 
 <file path=ppt/slides/slide7.xml><?xml version="1.0" encoding="utf-8"?>
+<p:sld xmlns:a="http://schemas.openxmlformats.org/drawingml/2006/main" xmlns:r="http://schemas.openxmlformats.org/officeDocument/2006/relationships" xmlns:p="http://schemas.openxmlformats.org/presentationml/2006/main">
+  <p:cSld>
+    <p:spTree>
+      <p:nvGrpSpPr>
+        <p:cNvPr id="1" name=""/>
+        <p:cNvGrpSpPr/>
+        <p:nvPr/>
+      </p:nvGrpSpPr>
+      <p:grpSpPr>
+        <a:xfrm>
+          <a:off x="0" y="0"/>
+          <a:ext cx="0" cy="0"/>
+          <a:chOff x="0" y="0"/>
+          <a:chExt cx="0" cy="0"/>
+        </a:xfrm>
+      </p:grpSpPr>
+      <p:sp>
+        <p:nvSpPr>
+          <p:cNvPr id="3" name="Content Placeholder 2"/>
+          <p:cNvSpPr>
+            <a:spLocks noGrp="1"/>
+          </p:cNvSpPr>
+          <p:nvPr>
+            <p:ph sz="quarter" idx="1"/>
+          </p:nvPr>
+        </p:nvSpPr>
+        <p:spPr/>
+        <p:txBody>
+          <a:bodyPr/>
+          <a:lstStyle/>
+          <a:p>
+            <a:r>
+              <a:rPr lang="en-US" dirty="0"/>
+              <a:t>Have new </a:t>
+            </a:r>
+            <a:r>
+              <a:rPr lang="en-US" dirty="0">
+                <a:solidFill>
+                  <a:schemeClr val="accent3"/>
+                </a:solidFill>
+              </a:rPr>
+              <a:t>engine uses 10x less gas</a:t>
+            </a:r>
+          </a:p>
+          <a:p>
+            <a:pPr lvl="1"/>
+            <a:r>
+              <a:rPr lang="en-US" dirty="0">
+                <a:solidFill>
+                  <a:schemeClr val="accent1"/>
+                </a:solidFill>
+              </a:rPr>
+              <a:t>New power generation method </a:t>
+            </a:r>
+            <a:r>
+              <a:rPr lang="en-US" dirty="0"/>
+              <a:t>provides this boost</a:t>
+            </a:r>
+          </a:p>
+          <a:p>
+            <a:pPr lvl="1"/>
+            <a:endParaRPr lang="en-US" dirty="0"/>
+          </a:p>
+          <a:p>
+            <a:r>
+              <a:rPr lang="en-US" dirty="0"/>
+              <a:t>Of the following </a:t>
+            </a:r>
+            <a:r>
+              <a:rPr lang="en-US" dirty="0">
+                <a:solidFill>
+                  <a:schemeClr val="accent3"/>
+                </a:solidFill>
+              </a:rPr>
+              <a:t>which test do you want:</a:t>
+            </a:r>
+          </a:p>
+          <a:p>
+            <a:pPr lvl="1"/>
+            <a:r>
+              <a:rPr lang="en-US" dirty="0">
+                <a:solidFill>
+                  <a:schemeClr val="accent1"/>
+                </a:solidFill>
+              </a:rPr>
+              <a:t>Belts and axels moved identically </a:t>
+            </a:r>
+            <a:r>
+              <a:rPr lang="en-US" dirty="0"/>
+              <a:t>with new engine</a:t>
+            </a:r>
+          </a:p>
+          <a:p>
+            <a:pPr lvl="1"/>
+            <a:r>
+              <a:rPr lang="en-US" dirty="0"/>
+              <a:t>New engine still </a:t>
+            </a:r>
+            <a:r>
+              <a:rPr lang="en-US" dirty="0">
+                <a:solidFill>
+                  <a:schemeClr val="accent1"/>
+                </a:solidFill>
+              </a:rPr>
+              <a:t>uses same carburetor &amp; pistons</a:t>
+            </a:r>
+          </a:p>
+        </p:txBody>
+      </p:sp>
+      <p:sp>
+        <p:nvSpPr>
+          <p:cNvPr id="2" name="Title 1"/>
+          <p:cNvSpPr>
+            <a:spLocks noGrp="1"/>
+          </p:cNvSpPr>
+          <p:nvPr>
+            <p:ph type="title"/>
+          </p:nvPr>
+        </p:nvSpPr>
+        <p:spPr/>
+        <p:txBody>
+          <a:bodyPr/>
+          <a:lstStyle/>
+          <a:p>
+            <a:r>
+              <a:rPr lang="en-US" dirty="0"/>
+              <a:t>Thought Experiment</a:t>
+            </a:r>
+          </a:p>
+        </p:txBody>
+      </p:sp>
+    </p:spTree>
+    <p:extLst>
+      <p:ext uri="{BB962C8B-B14F-4D97-AF65-F5344CB8AC3E}">
+        <p14:creationId xmlns:p14="http://schemas.microsoft.com/office/powerpoint/2010/main" val="649470579"/>
+      </p:ext>
+    </p:extLst>
+  </p:cSld>
+  <p:clrMapOvr>
+    <a:masterClrMapping/>
+  </p:clrMapOvr>
+  <p:timing>
+    <p:tnLst>
+      <p:par>
+        <p:cTn xmlns:p14="http://schemas.microsoft.com/office/powerpoint/2010/main" id="1" dur="indefinite" restart="never" nodeType="tmRoot"/>
+      </p:par>
+    </p:tnLst>
+  </p:timing>
+</p:sld>
+</file>
+
+<file path=ppt/slides/slide8.xml><?xml version="1.0" encoding="utf-8"?>
+<p:sld xmlns:a="http://schemas.openxmlformats.org/drawingml/2006/main" xmlns:r="http://schemas.openxmlformats.org/officeDocument/2006/relationships" xmlns:p="http://schemas.openxmlformats.org/presentationml/2006/main">
+  <p:cSld>
+    <p:spTree>
+      <p:nvGrpSpPr>
+        <p:cNvPr id="1" name=""/>
+        <p:cNvGrpSpPr/>
+        <p:nvPr/>
+      </p:nvGrpSpPr>
+      <p:grpSpPr>
+        <a:xfrm>
+          <a:off x="0" y="0"/>
+          <a:ext cx="0" cy="0"/>
+          <a:chOff x="0" y="0"/>
+          <a:chExt cx="0" cy="0"/>
+        </a:xfrm>
+      </p:grpSpPr>
+      <p:sp>
+        <p:nvSpPr>
+          <p:cNvPr id="3" name="Content Placeholder 2"/>
+          <p:cNvSpPr>
+            <a:spLocks noGrp="1"/>
+          </p:cNvSpPr>
+          <p:nvPr>
+            <p:ph sz="quarter" idx="1"/>
+          </p:nvPr>
+        </p:nvSpPr>
+        <p:spPr/>
+        <p:txBody>
+          <a:bodyPr/>
+          <a:lstStyle/>
+          <a:p>
+            <a:r>
+              <a:rPr lang="en-US" dirty="0"/>
+              <a:t>Have new </a:t>
+            </a:r>
+            <a:r>
+              <a:rPr lang="en-US" dirty="0">
+                <a:solidFill>
+                  <a:schemeClr val="accent3"/>
+                </a:solidFill>
+              </a:rPr>
+              <a:t>engine uses 10x less gas</a:t>
+            </a:r>
+          </a:p>
+          <a:p>
+            <a:pPr lvl="1"/>
+            <a:r>
+              <a:rPr lang="en-US" dirty="0">
+                <a:solidFill>
+                  <a:schemeClr val="accent1"/>
+                </a:solidFill>
+              </a:rPr>
+              <a:t>New power generation method </a:t>
+            </a:r>
+            <a:r>
+              <a:rPr lang="en-US" dirty="0"/>
+              <a:t>provides this boost</a:t>
+            </a:r>
+          </a:p>
+          <a:p>
+            <a:pPr lvl="1"/>
+            <a:endParaRPr lang="en-US" dirty="0"/>
+          </a:p>
+          <a:p>
+            <a:r>
+              <a:rPr lang="en-US" dirty="0"/>
+              <a:t>Of the following </a:t>
+            </a:r>
+            <a:r>
+              <a:rPr lang="en-US" dirty="0">
+                <a:solidFill>
+                  <a:schemeClr val="accent3"/>
+                </a:solidFill>
+              </a:rPr>
+              <a:t>which test do you want:</a:t>
+            </a:r>
+          </a:p>
+          <a:p>
+            <a:pPr lvl="1"/>
+            <a:r>
+              <a:rPr lang="en-US" dirty="0">
+                <a:solidFill>
+                  <a:schemeClr val="accent1"/>
+                </a:solidFill>
+              </a:rPr>
+              <a:t>Belts and axels moved identically </a:t>
+            </a:r>
+            <a:r>
+              <a:rPr lang="en-US" dirty="0"/>
+              <a:t>with new engine</a:t>
+            </a:r>
+          </a:p>
+          <a:p>
+            <a:pPr lvl="1"/>
+            <a:r>
+              <a:rPr lang="en-US" dirty="0"/>
+              <a:t>New engine still </a:t>
+            </a:r>
+            <a:r>
+              <a:rPr lang="en-US" dirty="0">
+                <a:solidFill>
+                  <a:schemeClr val="accent1"/>
+                </a:solidFill>
+              </a:rPr>
+              <a:t>uses same carburetor &amp; pistons</a:t>
+            </a:r>
+          </a:p>
+        </p:txBody>
+      </p:sp>
+      <p:sp>
+        <p:nvSpPr>
+          <p:cNvPr id="2" name="Title 1"/>
+          <p:cNvSpPr>
+            <a:spLocks noGrp="1"/>
+          </p:cNvSpPr>
+          <p:nvPr>
+            <p:ph type="title"/>
+          </p:nvPr>
+        </p:nvSpPr>
+        <p:spPr/>
+        <p:txBody>
+          <a:bodyPr/>
+          <a:lstStyle/>
+          <a:p>
+            <a:r>
+              <a:rPr lang="en-US" dirty="0"/>
+              <a:t>Thought Experiment</a:t>
+            </a:r>
+          </a:p>
+        </p:txBody>
+      </p:sp>
+      <p:pic>
+        <p:nvPicPr>
+          <p:cNvPr id="5" name="Picture 4"/>
+          <p:cNvPicPr>
+            <a:picLocks noChangeAspect="1"/>
+          </p:cNvPicPr>
+          <p:nvPr/>
+        </p:nvPicPr>
+        <p:blipFill>
+          <a:blip r:embed="rId2">
+            <a:extLst>
+              <a:ext uri="{28A0092B-C50C-407E-A947-70E740481C1C}">
+                <a14:useLocalDpi xmlns:a14="http://schemas.microsoft.com/office/drawing/2010/main" val="0"/>
+              </a:ext>
+            </a:extLst>
+          </a:blip>
+          <a:stretch>
+            <a:fillRect/>
+          </a:stretch>
+        </p:blipFill>
+        <p:spPr>
+          <a:xfrm>
+            <a:off x="3733800" y="4864115"/>
+            <a:ext cx="4572000" cy="1802860"/>
+          </a:xfrm>
+          <a:prstGeom prst="rect">
+            <a:avLst/>
+          </a:prstGeom>
+        </p:spPr>
+      </p:pic>
+    </p:spTree>
+    <p:extLst>
+      <p:ext uri="{BB962C8B-B14F-4D97-AF65-F5344CB8AC3E}">
+        <p14:creationId xmlns:p14="http://schemas.microsoft.com/office/powerpoint/2010/main" val="1203093504"/>
+      </p:ext>
+    </p:extLst>
+  </p:cSld>
+  <p:clrMapOvr>
+    <a:masterClrMapping/>
+  </p:clrMapOvr>
+  <p:timing>
+    <p:tnLst>
+      <p:par>
+        <p:cTn xmlns:p14="http://schemas.microsoft.com/office/powerpoint/2010/main" id="1" dur="indefinite" restart="never" nodeType="tmRoot"/>
+      </p:par>
+    </p:tnLst>
+  </p:timing>
+</p:sld>
+</file>
+
+<file path=ppt/slides/slide9.xml><?xml version="1.0" encoding="utf-8"?>
 <p:sld xmlns:a="http://schemas.openxmlformats.org/drawingml/2006/main" xmlns:r="http://schemas.openxmlformats.org/officeDocument/2006/relationships" xmlns:p="http://schemas.openxmlformats.org/presentationml/2006/main">
   <p:cSld>
     <p:spTree>
@@ -17207,569 +18041,20 @@
     </p:spTree>
     <p:extLst>
       <p:ext uri="{BB962C8B-B14F-4D97-AF65-F5344CB8AC3E}">
-        <p14:creationId xmlns:p14="http://schemas.microsoft.com/office/powerpoint/2010/main" val="649470579"/>
+        <p14:creationId xmlns:p14="http://schemas.microsoft.com/office/powerpoint/2010/main" val="2955361508"/>
       </p:ext>
     </p:extLst>
   </p:cSld>
   <p:clrMapOvr>
     <a:masterClrMapping/>
   </p:clrMapOvr>
-</p:sld>
-</file>
-
-<file path=ppt/slides/slide8.xml><?xml version="1.0" encoding="utf-8"?>
-<p:sld xmlns:a="http://schemas.openxmlformats.org/drawingml/2006/main" xmlns:r="http://schemas.openxmlformats.org/officeDocument/2006/relationships" xmlns:p="http://schemas.openxmlformats.org/presentationml/2006/main">
-  <p:cSld>
-    <p:spTree>
-      <p:nvGrpSpPr>
-        <p:cNvPr id="1" name=""/>
-        <p:cNvGrpSpPr/>
-        <p:nvPr/>
-      </p:nvGrpSpPr>
-      <p:grpSpPr>
-        <a:xfrm>
-          <a:off x="0" y="0"/>
-          <a:ext cx="0" cy="0"/>
-          <a:chOff x="0" y="0"/>
-          <a:chExt cx="0" cy="0"/>
-        </a:xfrm>
-      </p:grpSpPr>
-      <p:sp>
-        <p:nvSpPr>
-          <p:cNvPr id="2" name="Title 1"/>
-          <p:cNvSpPr>
-            <a:spLocks noGrp="1"/>
-          </p:cNvSpPr>
-          <p:nvPr>
-            <p:ph type="title"/>
-          </p:nvPr>
-        </p:nvSpPr>
-        <p:spPr/>
-        <p:txBody>
-          <a:bodyPr/>
-          <a:lstStyle/>
-          <a:p>
-            <a:r>
-              <a:rPr lang="en-US" dirty="0"/>
-              <a:t>TDD Key Concept</a:t>
-            </a:r>
-          </a:p>
-        </p:txBody>
-      </p:sp>
-      <p:sp>
-        <p:nvSpPr>
-          <p:cNvPr id="3" name="Content Placeholder 2"/>
-          <p:cNvSpPr>
-            <a:spLocks noGrp="1"/>
-          </p:cNvSpPr>
-          <p:nvPr>
-            <p:ph idx="1"/>
-          </p:nvPr>
-        </p:nvSpPr>
-        <p:spPr>
-          <a:xfrm>
-            <a:off x="457200" y="1784350"/>
-            <a:ext cx="8610600" cy="4572000"/>
-          </a:xfrm>
-        </p:spPr>
-        <p:txBody>
-          <a:bodyPr/>
-          <a:lstStyle/>
-          <a:p>
-            <a:pPr marL="0" marR="0" lvl="0" indent="0" algn="ctr" defTabSz="914400" eaLnBrk="1" fontAlgn="auto" latinLnBrk="0" hangingPunct="1">
-              <a:lnSpc>
-                <a:spcPct val="100000"/>
-              </a:lnSpc>
-              <a:spcBef>
-                <a:spcPts val="0"/>
-              </a:spcBef>
-              <a:spcAft>
-                <a:spcPts val="0"/>
-              </a:spcAft>
-              <a:buClrTx/>
-              <a:buSzTx/>
-              <a:buFontTx/>
-              <a:buNone/>
-              <a:tabLst/>
-              <a:defRPr/>
-            </a:pPr>
-            <a:r>
-              <a:rPr lang="en-US" sz="7200" b="1" dirty="0">
-                <a:solidFill>
-                  <a:srgbClr val="FF0000"/>
-                </a:solidFill>
-              </a:rPr>
-              <a:t>Check</a:t>
-            </a:r>
-            <a:r>
-              <a:rPr lang="en-US" dirty="0">
-                <a:solidFill>
-                  <a:srgbClr val="FF0000"/>
-                </a:solidFill>
-              </a:rPr>
-              <a:t> </a:t>
-            </a:r>
-            <a:r>
-              <a:rPr lang="en-US" sz="7200" b="1" dirty="0">
-                <a:solidFill>
-                  <a:srgbClr val="FF0000"/>
-                </a:solidFill>
-                <a:effectLst>
-                  <a:outerShdw blurRad="50800" dist="76200" dir="2700000" algn="tl" rotWithShape="0">
-                    <a:prstClr val="black">
-                      <a:alpha val="40000"/>
-                    </a:prstClr>
-                  </a:outerShdw>
-                </a:effectLst>
-              </a:rPr>
-              <a:t/>
-            </a:r>
-            <a:br>
-              <a:rPr lang="en-US" sz="7200" b="1" dirty="0">
-                <a:solidFill>
-                  <a:srgbClr val="FF0000"/>
-                </a:solidFill>
-                <a:effectLst>
-                  <a:outerShdw blurRad="50800" dist="76200" dir="2700000" algn="tl" rotWithShape="0">
-                    <a:prstClr val="black">
-                      <a:alpha val="40000"/>
-                    </a:prstClr>
-                  </a:outerShdw>
-                </a:effectLst>
-              </a:rPr>
-            </a:br>
-            <a:r>
-              <a:rPr lang="en-US" sz="7200" b="1" dirty="0">
-                <a:solidFill>
-                  <a:srgbClr val="FF0000"/>
-                </a:solidFill>
-                <a:effectLst>
-                  <a:outerShdw blurRad="50800" dist="38100" dir="2700000" algn="tl" rotWithShape="0">
-                    <a:prstClr val="black">
-                      <a:alpha val="40000"/>
-                    </a:prstClr>
-                  </a:outerShdw>
-                </a:effectLst>
-              </a:rPr>
-              <a:t>method’s </a:t>
-            </a:r>
-            <a:r>
-              <a:rPr lang="en-US" sz="7200" b="1" dirty="0">
-                <a:solidFill>
-                  <a:srgbClr val="FFFF00"/>
-                </a:solidFill>
-                <a:effectLst>
-                  <a:glow rad="63500">
-                    <a:schemeClr val="accent1">
-                      <a:satMod val="175000"/>
-                      <a:alpha val="40000"/>
-                    </a:schemeClr>
-                  </a:glow>
-                  <a:outerShdw blurRad="50800" dist="38100" dir="2700000" algn="tl" rotWithShape="0">
-                    <a:prstClr val="black">
-                      <a:alpha val="40000"/>
-                    </a:prstClr>
-                  </a:outerShdw>
-                </a:effectLst>
-              </a:rPr>
-              <a:t>results</a:t>
-            </a:r>
-            <a:r>
-              <a:rPr lang="en-US" sz="7200" b="1" dirty="0">
-                <a:solidFill>
-                  <a:schemeClr val="accent1"/>
-                </a:solidFill>
-                <a:effectLst>
-                  <a:outerShdw blurRad="50800" dist="76200" dir="2700000" algn="tl" rotWithShape="0">
-                    <a:prstClr val="black">
-                      <a:alpha val="40000"/>
-                    </a:prstClr>
-                  </a:outerShdw>
-                </a:effectLst>
-              </a:rPr>
-              <a:t/>
-            </a:r>
-            <a:br>
-              <a:rPr lang="en-US" sz="7200" b="1" dirty="0">
-                <a:solidFill>
-                  <a:schemeClr val="accent1"/>
-                </a:solidFill>
-                <a:effectLst>
-                  <a:outerShdw blurRad="50800" dist="76200" dir="2700000" algn="tl" rotWithShape="0">
-                    <a:prstClr val="black">
-                      <a:alpha val="40000"/>
-                    </a:prstClr>
-                  </a:outerShdw>
-                </a:effectLst>
-              </a:rPr>
-            </a:br>
-            <a:r>
-              <a:rPr lang="en-US" sz="7200" strike="sngStrike" dirty="0">
-                <a:solidFill>
-                  <a:schemeClr val="tx1">
-                    <a:lumMod val="50000"/>
-                    <a:lumOff val="50000"/>
-                  </a:schemeClr>
-                </a:solidFill>
-              </a:rPr>
-              <a:t>NOT</a:t>
-            </a:r>
-            <a:r>
-              <a:rPr lang="en-US" sz="7200" strike="sngStrike" dirty="0"/>
-              <a:t/>
-            </a:r>
-            <a:br>
-              <a:rPr lang="en-US" sz="7200" strike="sngStrike" dirty="0"/>
-            </a:br>
-            <a:r>
-              <a:rPr lang="en-US" sz="7200" strike="sngStrike" dirty="0">
-                <a:solidFill>
-                  <a:schemeClr val="accent1"/>
-                </a:solidFill>
-              </a:rPr>
-              <a:t>method’s processes</a:t>
-            </a:r>
-          </a:p>
-        </p:txBody>
-      </p:sp>
-    </p:spTree>
-    <p:extLst>
-      <p:ext uri="{BB962C8B-B14F-4D97-AF65-F5344CB8AC3E}">
-        <p14:creationId xmlns:p14="http://schemas.microsoft.com/office/powerpoint/2010/main" val="4091216509"/>
-      </p:ext>
-    </p:extLst>
-  </p:cSld>
-  <p:clrMapOvr>
-    <a:masterClrMapping/>
-  </p:clrMapOvr>
-</p:sld>
-</file>
-
-<file path=ppt/slides/slide9.xml><?xml version="1.0" encoding="utf-8"?>
-<p:sld xmlns:a="http://schemas.openxmlformats.org/drawingml/2006/main" xmlns:r="http://schemas.openxmlformats.org/officeDocument/2006/relationships" xmlns:p="http://schemas.openxmlformats.org/presentationml/2006/main">
-  <p:cSld>
-    <p:spTree>
-      <p:nvGrpSpPr>
-        <p:cNvPr id="1" name=""/>
-        <p:cNvGrpSpPr/>
-        <p:nvPr/>
-      </p:nvGrpSpPr>
-      <p:grpSpPr>
-        <a:xfrm>
-          <a:off x="0" y="0"/>
-          <a:ext cx="0" cy="0"/>
-          <a:chOff x="0" y="0"/>
-          <a:chExt cx="0" cy="0"/>
-        </a:xfrm>
-      </p:grpSpPr>
-      <p:sp>
-        <p:nvSpPr>
-          <p:cNvPr id="231427" name="Rectangle 3"/>
-          <p:cNvSpPr>
-            <a:spLocks noGrp="1" noChangeArrowheads="1"/>
-          </p:cNvSpPr>
-          <p:nvPr>
-            <p:ph sz="quarter" idx="1"/>
-          </p:nvPr>
-        </p:nvSpPr>
-        <p:spPr>
-          <a:xfrm>
-            <a:off x="612648" y="1591056"/>
-            <a:ext cx="8378952" cy="5120640"/>
-          </a:xfrm>
-        </p:spPr>
-        <p:txBody>
-          <a:bodyPr>
-            <a:normAutofit/>
-          </a:bodyPr>
-          <a:lstStyle/>
-          <a:p>
-            <a:r>
-              <a:rPr lang="en-US" dirty="0"/>
-              <a:t>Most languages have </a:t>
-            </a:r>
-            <a:r>
-              <a:rPr lang="en-US" i="1" dirty="0" err="1">
-                <a:solidFill>
-                  <a:schemeClr val="accent3"/>
-                </a:solidFill>
-                <a:latin typeface="Times New Roman" charset="0"/>
-                <a:ea typeface="Times New Roman" charset="0"/>
-                <a:cs typeface="Times New Roman" charset="0"/>
-              </a:rPr>
-              <a:t>x</a:t>
-            </a:r>
-            <a:r>
-              <a:rPr lang="en-US" dirty="0" err="1">
-                <a:solidFill>
-                  <a:schemeClr val="accent3"/>
-                </a:solidFill>
-              </a:rPr>
-              <a:t>Unit</a:t>
-            </a:r>
-            <a:r>
-              <a:rPr lang="en-US" dirty="0">
-                <a:solidFill>
-                  <a:schemeClr val="accent3"/>
-                </a:solidFill>
-              </a:rPr>
-              <a:t> library for </a:t>
-            </a:r>
-            <a:r>
-              <a:rPr lang="en-US" b="1" dirty="0">
-                <a:solidFill>
-                  <a:schemeClr val="accent3"/>
-                </a:solidFill>
-              </a:rPr>
-              <a:t>unit testing</a:t>
-            </a:r>
-          </a:p>
-          <a:p>
-            <a:pPr lvl="1"/>
-            <a:r>
-              <a:rPr lang="en-US" dirty="0">
-                <a:solidFill>
-                  <a:schemeClr val="accent1"/>
-                </a:solidFill>
-              </a:rPr>
-              <a:t>Tests written in language </a:t>
-            </a:r>
-            <a:r>
-              <a:rPr lang="en-US" dirty="0"/>
-              <a:t>so can run anywhere</a:t>
-            </a:r>
-          </a:p>
-          <a:p>
-            <a:pPr lvl="1"/>
-            <a:r>
-              <a:rPr lang="en-US" dirty="0"/>
-              <a:t>Strong support that </a:t>
-            </a:r>
-            <a:r>
-              <a:rPr lang="en-US" dirty="0">
-                <a:solidFill>
-                  <a:schemeClr val="accent1"/>
-                </a:solidFill>
-              </a:rPr>
-              <a:t>make writing tests very easy </a:t>
-            </a:r>
-          </a:p>
-          <a:p>
-            <a:pPr lvl="1"/>
-            <a:r>
-              <a:rPr lang="en-US" dirty="0">
-                <a:solidFill>
-                  <a:schemeClr val="accent1"/>
-                </a:solidFill>
-              </a:rPr>
-              <a:t>Supported by most IDEs </a:t>
-            </a:r>
-            <a:r>
-              <a:rPr lang="en-US" dirty="0"/>
-              <a:t>(e.g., Eclipse, IntelliJ, </a:t>
-            </a:r>
-            <a:r>
-              <a:rPr lang="en-US" dirty="0" err="1"/>
-              <a:t>BlueJ</a:t>
-            </a:r>
-            <a:r>
-              <a:rPr lang="en-US" dirty="0"/>
-              <a:t>)</a:t>
-            </a:r>
-          </a:p>
-          <a:p>
-            <a:pPr lvl="1"/>
-            <a:r>
-              <a:rPr lang="en-US" dirty="0"/>
-              <a:t>Started with Java </a:t>
-            </a:r>
-            <a:r>
-              <a:rPr lang="mr-IN" dirty="0"/>
-              <a:t>–</a:t>
-            </a:r>
-            <a:r>
-              <a:rPr lang="en-US" dirty="0"/>
-              <a:t> </a:t>
-            </a:r>
-            <a:r>
-              <a:rPr lang="en-US" dirty="0">
-                <a:solidFill>
-                  <a:schemeClr val="accent1"/>
-                </a:solidFill>
-              </a:rPr>
-              <a:t>JUnit still gold standard for testing</a:t>
-            </a:r>
-          </a:p>
-          <a:p>
-            <a:r>
-              <a:rPr lang="en-US" dirty="0">
-                <a:solidFill>
-                  <a:schemeClr val="accent3"/>
-                </a:solidFill>
-              </a:rPr>
-              <a:t>Automation important </a:t>
-            </a:r>
-            <a:r>
-              <a:rPr lang="en-US" dirty="0"/>
-              <a:t>to allow frequent testing</a:t>
-            </a:r>
-            <a:endParaRPr lang="en-US" dirty="0">
-              <a:solidFill>
-                <a:srgbClr val="008000"/>
-              </a:solidFill>
-            </a:endParaRPr>
-          </a:p>
-          <a:p>
-            <a:pPr lvl="1"/>
-            <a:r>
-              <a:rPr lang="en-US" dirty="0"/>
-              <a:t>Testing easy – just</a:t>
-            </a:r>
-            <a:r>
-              <a:rPr lang="en-US" dirty="0">
-                <a:solidFill>
-                  <a:schemeClr val="accent6"/>
-                </a:solidFill>
-              </a:rPr>
-              <a:t> </a:t>
-            </a:r>
-            <a:r>
-              <a:rPr lang="en-US" dirty="0">
-                <a:solidFill>
-                  <a:schemeClr val="accent1"/>
-                </a:solidFill>
-              </a:rPr>
-              <a:t>select “Run As…” “JUnit test”</a:t>
-            </a:r>
-          </a:p>
-          <a:p>
-            <a:pPr lvl="1"/>
-            <a:r>
-              <a:rPr lang="en-US" b="1" dirty="0">
-                <a:solidFill>
-                  <a:schemeClr val="accent4">
-                    <a:lumMod val="50000"/>
-                  </a:schemeClr>
-                </a:solidFill>
-                <a:effectLst>
-                  <a:outerShdw blurRad="38100" dist="38100" dir="2700000" algn="tl">
-                    <a:srgbClr val="000000">
-                      <a:alpha val="43137"/>
-                    </a:srgbClr>
-                  </a:outerShdw>
-                </a:effectLst>
-              </a:rPr>
-              <a:t>Green</a:t>
-            </a:r>
-            <a:r>
-              <a:rPr lang="en-US" dirty="0">
-                <a:solidFill>
-                  <a:schemeClr val="accent6"/>
-                </a:solidFill>
-              </a:rPr>
-              <a:t> </a:t>
-            </a:r>
-            <a:r>
-              <a:rPr lang="en-US" dirty="0">
-                <a:solidFill>
-                  <a:schemeClr val="accent1"/>
-                </a:solidFill>
-              </a:rPr>
-              <a:t>means good </a:t>
-            </a:r>
-            <a:r>
-              <a:rPr lang="en-US" dirty="0"/>
-              <a:t>– checking results also very easy</a:t>
-            </a:r>
-          </a:p>
-          <a:p>
-            <a:pPr lvl="1"/>
-            <a:r>
-              <a:rPr lang="en-US" dirty="0"/>
-              <a:t>Easy to see problems – </a:t>
-            </a:r>
-            <a:r>
-              <a:rPr lang="en-US" dirty="0">
-                <a:solidFill>
-                  <a:schemeClr val="accent1"/>
-                </a:solidFill>
-              </a:rPr>
-              <a:t>see</a:t>
-            </a:r>
-            <a:r>
-              <a:rPr lang="en-US" dirty="0">
-                <a:solidFill>
-                  <a:schemeClr val="accent6"/>
-                </a:solidFill>
-              </a:rPr>
-              <a:t> </a:t>
-            </a:r>
-            <a:r>
-              <a:rPr lang="en-US" b="1" dirty="0">
-                <a:solidFill>
-                  <a:srgbClr val="FF0000"/>
-                </a:solidFill>
-                <a:effectLst>
-                  <a:outerShdw blurRad="38100" dist="38100" dir="2700000" algn="tl">
-                    <a:srgbClr val="000000">
-                      <a:alpha val="43137"/>
-                    </a:srgbClr>
-                  </a:outerShdw>
-                </a:effectLst>
-              </a:rPr>
-              <a:t>red</a:t>
-            </a:r>
-            <a:r>
-              <a:rPr lang="en-US" dirty="0">
-                <a:solidFill>
-                  <a:schemeClr val="accent6"/>
-                </a:solidFill>
-              </a:rPr>
-              <a:t> </a:t>
-            </a:r>
-            <a:r>
-              <a:rPr lang="en-US" dirty="0">
-                <a:solidFill>
-                  <a:schemeClr val="accent1"/>
-                </a:solidFill>
-              </a:rPr>
-              <a:t>when tests fail</a:t>
-            </a:r>
-          </a:p>
-        </p:txBody>
-      </p:sp>
-      <p:sp>
-        <p:nvSpPr>
-          <p:cNvPr id="231426" name="Rectangle 2"/>
-          <p:cNvSpPr>
-            <a:spLocks noGrp="1" noChangeArrowheads="1"/>
-          </p:cNvSpPr>
-          <p:nvPr>
-            <p:ph type="title"/>
-          </p:nvPr>
-        </p:nvSpPr>
-        <p:spPr/>
-        <p:txBody>
-          <a:bodyPr/>
-          <a:lstStyle/>
-          <a:p>
-            <a:r>
-              <a:rPr lang="en-US" dirty="0"/>
-              <a:t>Unit Testing Library</a:t>
-            </a:r>
-          </a:p>
-        </p:txBody>
-      </p:sp>
-    </p:spTree>
-    <p:extLst>
-      <p:ext uri="{BB962C8B-B14F-4D97-AF65-F5344CB8AC3E}">
-        <p14:creationId xmlns:p14="http://schemas.microsoft.com/office/powerpoint/2010/main" val="3639058011"/>
-      </p:ext>
-    </p:extLst>
-  </p:cSld>
-  <p:clrMapOvr>
-    <a:masterClrMapping/>
-  </p:clrMapOvr>
+  <p:timing>
+    <p:tnLst>
+      <p:par>
+        <p:cTn xmlns:p14="http://schemas.microsoft.com/office/powerpoint/2010/main" id="1" dur="indefinite" restart="never" nodeType="tmRoot"/>
+      </p:par>
+    </p:tnLst>
+  </p:timing>
 </p:sld>
 </file>
 
